--- a/src/main/com/wqj/pm/网络图.pptx
+++ b/src/main/com/wqj/pm/网络图.pptx
@@ -243,7 +243,7 @@
           <a:p>
             <a:fld id="{D89A0BFB-5C47-4CE2-9508-7FFE9FC64886}" type="datetimeFigureOut">
               <a:rPr lang="zh-CN" altLang="en-US" smtClean="0"/>
-              <a:t>2021/5/29</a:t>
+              <a:t>2021/6/1</a:t>
             </a:fld>
             <a:endParaRPr lang="zh-CN" altLang="en-US"/>
           </a:p>
@@ -413,7 +413,7 @@
           <a:p>
             <a:fld id="{D89A0BFB-5C47-4CE2-9508-7FFE9FC64886}" type="datetimeFigureOut">
               <a:rPr lang="zh-CN" altLang="en-US" smtClean="0"/>
-              <a:t>2021/5/29</a:t>
+              <a:t>2021/6/1</a:t>
             </a:fld>
             <a:endParaRPr lang="zh-CN" altLang="en-US"/>
           </a:p>
@@ -593,7 +593,7 @@
           <a:p>
             <a:fld id="{D89A0BFB-5C47-4CE2-9508-7FFE9FC64886}" type="datetimeFigureOut">
               <a:rPr lang="zh-CN" altLang="en-US" smtClean="0"/>
-              <a:t>2021/5/29</a:t>
+              <a:t>2021/6/1</a:t>
             </a:fld>
             <a:endParaRPr lang="zh-CN" altLang="en-US"/>
           </a:p>
@@ -763,7 +763,7 @@
           <a:p>
             <a:fld id="{D89A0BFB-5C47-4CE2-9508-7FFE9FC64886}" type="datetimeFigureOut">
               <a:rPr lang="zh-CN" altLang="en-US" smtClean="0"/>
-              <a:t>2021/5/29</a:t>
+              <a:t>2021/6/1</a:t>
             </a:fld>
             <a:endParaRPr lang="zh-CN" altLang="en-US"/>
           </a:p>
@@ -1009,7 +1009,7 @@
           <a:p>
             <a:fld id="{D89A0BFB-5C47-4CE2-9508-7FFE9FC64886}" type="datetimeFigureOut">
               <a:rPr lang="zh-CN" altLang="en-US" smtClean="0"/>
-              <a:t>2021/5/29</a:t>
+              <a:t>2021/6/1</a:t>
             </a:fld>
             <a:endParaRPr lang="zh-CN" altLang="en-US"/>
           </a:p>
@@ -1241,7 +1241,7 @@
           <a:p>
             <a:fld id="{D89A0BFB-5C47-4CE2-9508-7FFE9FC64886}" type="datetimeFigureOut">
               <a:rPr lang="zh-CN" altLang="en-US" smtClean="0"/>
-              <a:t>2021/5/29</a:t>
+              <a:t>2021/6/1</a:t>
             </a:fld>
             <a:endParaRPr lang="zh-CN" altLang="en-US"/>
           </a:p>
@@ -1608,7 +1608,7 @@
           <a:p>
             <a:fld id="{D89A0BFB-5C47-4CE2-9508-7FFE9FC64886}" type="datetimeFigureOut">
               <a:rPr lang="zh-CN" altLang="en-US" smtClean="0"/>
-              <a:t>2021/5/29</a:t>
+              <a:t>2021/6/1</a:t>
             </a:fld>
             <a:endParaRPr lang="zh-CN" altLang="en-US"/>
           </a:p>
@@ -1726,7 +1726,7 @@
           <a:p>
             <a:fld id="{D89A0BFB-5C47-4CE2-9508-7FFE9FC64886}" type="datetimeFigureOut">
               <a:rPr lang="zh-CN" altLang="en-US" smtClean="0"/>
-              <a:t>2021/5/29</a:t>
+              <a:t>2021/6/1</a:t>
             </a:fld>
             <a:endParaRPr lang="zh-CN" altLang="en-US"/>
           </a:p>
@@ -1821,7 +1821,7 @@
           <a:p>
             <a:fld id="{D89A0BFB-5C47-4CE2-9508-7FFE9FC64886}" type="datetimeFigureOut">
               <a:rPr lang="zh-CN" altLang="en-US" smtClean="0"/>
-              <a:t>2021/5/29</a:t>
+              <a:t>2021/6/1</a:t>
             </a:fld>
             <a:endParaRPr lang="zh-CN" altLang="en-US"/>
           </a:p>
@@ -2098,7 +2098,7 @@
           <a:p>
             <a:fld id="{D89A0BFB-5C47-4CE2-9508-7FFE9FC64886}" type="datetimeFigureOut">
               <a:rPr lang="zh-CN" altLang="en-US" smtClean="0"/>
-              <a:t>2021/5/29</a:t>
+              <a:t>2021/6/1</a:t>
             </a:fld>
             <a:endParaRPr lang="zh-CN" altLang="en-US"/>
           </a:p>
@@ -2351,7 +2351,7 @@
           <a:p>
             <a:fld id="{D89A0BFB-5C47-4CE2-9508-7FFE9FC64886}" type="datetimeFigureOut">
               <a:rPr lang="zh-CN" altLang="en-US" smtClean="0"/>
-              <a:t>2021/5/29</a:t>
+              <a:t>2021/6/1</a:t>
             </a:fld>
             <a:endParaRPr lang="zh-CN" altLang="en-US"/>
           </a:p>
@@ -2564,7 +2564,7 @@
           <a:p>
             <a:fld id="{D89A0BFB-5C47-4CE2-9508-7FFE9FC64886}" type="datetimeFigureOut">
               <a:rPr lang="zh-CN" altLang="en-US" smtClean="0"/>
-              <a:t>2021/5/29</a:t>
+              <a:t>2021/6/1</a:t>
             </a:fld>
             <a:endParaRPr lang="zh-CN" altLang="en-US"/>
           </a:p>
@@ -2977,7 +2977,7 @@
         </p:nvSpPr>
         <p:spPr>
           <a:xfrm>
-            <a:off x="762000" y="2673927"/>
+            <a:off x="637429" y="2673927"/>
             <a:ext cx="457200" cy="457200"/>
           </a:xfrm>
           <a:prstGeom prst="flowChartConnector">
@@ -3037,7 +3037,7 @@
         </p:nvSpPr>
         <p:spPr>
           <a:xfrm>
-            <a:off x="2348345" y="2673927"/>
+            <a:off x="1879457" y="2673927"/>
             <a:ext cx="457200" cy="457200"/>
           </a:xfrm>
           <a:prstGeom prst="flowChartConnector">
@@ -3100,8 +3100,8 @@
         </p:nvCxnSpPr>
         <p:spPr>
           <a:xfrm>
-            <a:off x="1219200" y="2902527"/>
-            <a:ext cx="1129145" cy="0"/>
+            <a:off x="1094629" y="2902527"/>
+            <a:ext cx="784828" cy="0"/>
           </a:xfrm>
           <a:prstGeom prst="straightConnector1">
             <a:avLst/>
@@ -3133,7 +3133,7 @@
         </p:nvSpPr>
         <p:spPr>
           <a:xfrm>
-            <a:off x="3706090" y="2673927"/>
+            <a:off x="3165619" y="2632363"/>
             <a:ext cx="457200" cy="457200"/>
           </a:xfrm>
           <a:prstGeom prst="flowChartConnector">
@@ -3196,12 +3196,12 @@
         </p:nvCxnSpPr>
         <p:spPr>
           <a:xfrm rot="5400000" flipH="1" flipV="1">
-            <a:off x="3255817" y="1995055"/>
-            <a:ext cx="12700" cy="1357745"/>
+            <a:off x="2730356" y="2010064"/>
+            <a:ext cx="41564" cy="1286162"/>
           </a:xfrm>
           <a:prstGeom prst="bentConnector3">
             <a:avLst>
-              <a:gd name="adj1" fmla="val 3981819"/>
+              <a:gd name="adj1" fmla="val 649995"/>
             </a:avLst>
           </a:prstGeom>
           <a:ln>
@@ -3233,13 +3233,13 @@
           <p:nvPr/>
         </p:nvCxnSpPr>
         <p:spPr>
-          <a:xfrm rot="16200000" flipH="1">
-            <a:off x="3255817" y="2452254"/>
-            <a:ext cx="12700" cy="1357745"/>
+          <a:xfrm rot="5400000" flipH="1" flipV="1">
+            <a:off x="2730356" y="2467264"/>
+            <a:ext cx="41564" cy="1286162"/>
           </a:xfrm>
           <a:prstGeom prst="bentConnector3">
             <a:avLst>
-              <a:gd name="adj1" fmla="val 4200000"/>
+              <a:gd name="adj1" fmla="val -549995"/>
             </a:avLst>
           </a:prstGeom>
           <a:ln>
@@ -3269,7 +3269,7 @@
         </p:nvSpPr>
         <p:spPr>
           <a:xfrm>
-            <a:off x="5076534" y="2673927"/>
+            <a:off x="4395844" y="2632363"/>
             <a:ext cx="457200" cy="457200"/>
           </a:xfrm>
           <a:prstGeom prst="flowChartConnector">
@@ -3310,7 +3310,7 @@
                 </a:solidFill>
                 <a:latin typeface="+mn-ea"/>
               </a:rPr>
-              <a:t>4</a:t>
+              <a:t>5</a:t>
             </a:r>
             <a:endParaRPr lang="zh-CN" altLang="en-US" sz="2400" dirty="0">
               <a:solidFill>
@@ -3321,6 +3321,638 @@
           </a:p>
         </p:txBody>
       </p:sp>
+      <p:cxnSp>
+        <p:nvCxnSpPr>
+          <p:cNvPr id="3" name="直接箭头连接符 2"/>
+          <p:cNvCxnSpPr>
+            <a:stCxn id="18" idx="6"/>
+            <a:endCxn id="9" idx="2"/>
+          </p:cNvCxnSpPr>
+          <p:nvPr/>
+        </p:nvCxnSpPr>
+        <p:spPr>
+          <a:xfrm>
+            <a:off x="3622819" y="2860963"/>
+            <a:ext cx="773025" cy="0"/>
+          </a:xfrm>
+          <a:prstGeom prst="straightConnector1">
+            <a:avLst/>
+          </a:prstGeom>
+          <a:ln>
+            <a:tailEnd type="triangle"/>
+          </a:ln>
+        </p:spPr>
+        <p:style>
+          <a:lnRef idx="1">
+            <a:schemeClr val="accent1"/>
+          </a:lnRef>
+          <a:fillRef idx="0">
+            <a:schemeClr val="accent1"/>
+          </a:fillRef>
+          <a:effectRef idx="0">
+            <a:schemeClr val="accent1"/>
+          </a:effectRef>
+          <a:fontRef idx="minor">
+            <a:schemeClr val="tx1"/>
+          </a:fontRef>
+        </p:style>
+      </p:cxnSp>
+      <p:sp>
+        <p:nvSpPr>
+          <p:cNvPr id="11" name="流程图: 联系 10"/>
+          <p:cNvSpPr/>
+          <p:nvPr/>
+        </p:nvSpPr>
+        <p:spPr>
+          <a:xfrm>
+            <a:off x="5544297" y="2632363"/>
+            <a:ext cx="457200" cy="457200"/>
+          </a:xfrm>
+          <a:prstGeom prst="flowChartConnector">
+            <a:avLst/>
+          </a:prstGeom>
+          <a:noFill/>
+          <a:ln>
+            <a:solidFill>
+              <a:schemeClr val="tx1"/>
+            </a:solidFill>
+          </a:ln>
+        </p:spPr>
+        <p:style>
+          <a:lnRef idx="2">
+            <a:schemeClr val="accent1">
+              <a:shade val="50000"/>
+            </a:schemeClr>
+          </a:lnRef>
+          <a:fillRef idx="1">
+            <a:schemeClr val="accent1"/>
+          </a:fillRef>
+          <a:effectRef idx="0">
+            <a:schemeClr val="accent1"/>
+          </a:effectRef>
+          <a:fontRef idx="minor">
+            <a:schemeClr val="lt1"/>
+          </a:fontRef>
+        </p:style>
+        <p:txBody>
+          <a:bodyPr rtlCol="0" anchor="ctr"/>
+          <a:lstStyle/>
+          <a:p>
+            <a:pPr algn="ctr"/>
+            <a:r>
+              <a:rPr lang="en-US" altLang="zh-CN" sz="2400" dirty="0">
+                <a:solidFill>
+                  <a:schemeClr val="tx1"/>
+                </a:solidFill>
+                <a:latin typeface="+mn-ea"/>
+              </a:rPr>
+              <a:t>6</a:t>
+            </a:r>
+            <a:endParaRPr lang="zh-CN" altLang="en-US" sz="2400" dirty="0">
+              <a:solidFill>
+                <a:schemeClr val="tx1"/>
+              </a:solidFill>
+              <a:latin typeface="+mn-ea"/>
+            </a:endParaRPr>
+          </a:p>
+        </p:txBody>
+      </p:sp>
+      <p:cxnSp>
+        <p:nvCxnSpPr>
+          <p:cNvPr id="12" name="直接箭头连接符 11"/>
+          <p:cNvCxnSpPr>
+            <a:stCxn id="9" idx="6"/>
+            <a:endCxn id="11" idx="2"/>
+          </p:cNvCxnSpPr>
+          <p:nvPr/>
+        </p:nvCxnSpPr>
+        <p:spPr>
+          <a:xfrm>
+            <a:off x="4853044" y="2860963"/>
+            <a:ext cx="691253" cy="0"/>
+          </a:xfrm>
+          <a:prstGeom prst="straightConnector1">
+            <a:avLst/>
+          </a:prstGeom>
+          <a:ln>
+            <a:tailEnd type="triangle"/>
+          </a:ln>
+        </p:spPr>
+        <p:style>
+          <a:lnRef idx="1">
+            <a:schemeClr val="accent1"/>
+          </a:lnRef>
+          <a:fillRef idx="0">
+            <a:schemeClr val="accent1"/>
+          </a:fillRef>
+          <a:effectRef idx="0">
+            <a:schemeClr val="accent1"/>
+          </a:effectRef>
+          <a:fontRef idx="minor">
+            <a:schemeClr val="tx1"/>
+          </a:fontRef>
+        </p:style>
+      </p:cxnSp>
+      <p:sp>
+        <p:nvSpPr>
+          <p:cNvPr id="16" name="流程图: 联系 15"/>
+          <p:cNvSpPr/>
+          <p:nvPr/>
+        </p:nvSpPr>
+        <p:spPr>
+          <a:xfrm>
+            <a:off x="7029725" y="2632363"/>
+            <a:ext cx="457200" cy="457200"/>
+          </a:xfrm>
+          <a:prstGeom prst="flowChartConnector">
+            <a:avLst/>
+          </a:prstGeom>
+          <a:noFill/>
+          <a:ln>
+            <a:solidFill>
+              <a:schemeClr val="tx1"/>
+            </a:solidFill>
+          </a:ln>
+        </p:spPr>
+        <p:style>
+          <a:lnRef idx="2">
+            <a:schemeClr val="accent1">
+              <a:shade val="50000"/>
+            </a:schemeClr>
+          </a:lnRef>
+          <a:fillRef idx="1">
+            <a:schemeClr val="accent1"/>
+          </a:fillRef>
+          <a:effectRef idx="0">
+            <a:schemeClr val="accent1"/>
+          </a:effectRef>
+          <a:fontRef idx="minor">
+            <a:schemeClr val="lt1"/>
+          </a:fontRef>
+        </p:style>
+        <p:txBody>
+          <a:bodyPr rtlCol="0" anchor="ctr"/>
+          <a:lstStyle/>
+          <a:p>
+            <a:pPr algn="ctr"/>
+            <a:r>
+              <a:rPr lang="en-US" altLang="zh-CN" sz="2400" dirty="0">
+                <a:solidFill>
+                  <a:schemeClr val="tx1"/>
+                </a:solidFill>
+                <a:latin typeface="+mn-ea"/>
+              </a:rPr>
+              <a:t>7</a:t>
+            </a:r>
+            <a:endParaRPr lang="zh-CN" altLang="en-US" sz="2400" dirty="0">
+              <a:solidFill>
+                <a:schemeClr val="tx1"/>
+              </a:solidFill>
+              <a:latin typeface="+mn-ea"/>
+            </a:endParaRPr>
+          </a:p>
+        </p:txBody>
+      </p:sp>
+      <p:cxnSp>
+        <p:nvCxnSpPr>
+          <p:cNvPr id="19" name="肘形连接符 18"/>
+          <p:cNvCxnSpPr>
+            <a:stCxn id="11" idx="0"/>
+            <a:endCxn id="16" idx="0"/>
+          </p:cNvCxnSpPr>
+          <p:nvPr/>
+        </p:nvCxnSpPr>
+        <p:spPr>
+          <a:xfrm rot="5400000" flipH="1" flipV="1">
+            <a:off x="6515611" y="1889649"/>
+            <a:ext cx="12700" cy="1485428"/>
+          </a:xfrm>
+          <a:prstGeom prst="bentConnector3">
+            <a:avLst>
+              <a:gd name="adj1" fmla="val 4309094"/>
+            </a:avLst>
+          </a:prstGeom>
+          <a:ln>
+            <a:tailEnd type="triangle"/>
+          </a:ln>
+        </p:spPr>
+        <p:style>
+          <a:lnRef idx="1">
+            <a:schemeClr val="accent1"/>
+          </a:lnRef>
+          <a:fillRef idx="0">
+            <a:schemeClr val="accent1"/>
+          </a:fillRef>
+          <a:effectRef idx="0">
+            <a:schemeClr val="accent1"/>
+          </a:effectRef>
+          <a:fontRef idx="minor">
+            <a:schemeClr val="tx1"/>
+          </a:fontRef>
+        </p:style>
+      </p:cxnSp>
+      <p:cxnSp>
+        <p:nvCxnSpPr>
+          <p:cNvPr id="26" name="肘形连接符 25"/>
+          <p:cNvCxnSpPr>
+            <a:stCxn id="11" idx="4"/>
+            <a:endCxn id="16" idx="4"/>
+          </p:cNvCxnSpPr>
+          <p:nvPr/>
+        </p:nvCxnSpPr>
+        <p:spPr>
+          <a:xfrm rot="16200000" flipH="1">
+            <a:off x="6515611" y="2346849"/>
+            <a:ext cx="12700" cy="1485428"/>
+          </a:xfrm>
+          <a:prstGeom prst="bentConnector3">
+            <a:avLst>
+              <a:gd name="adj1" fmla="val 3981819"/>
+            </a:avLst>
+          </a:prstGeom>
+          <a:ln>
+            <a:tailEnd type="triangle"/>
+          </a:ln>
+        </p:spPr>
+        <p:style>
+          <a:lnRef idx="1">
+            <a:schemeClr val="accent1"/>
+          </a:lnRef>
+          <a:fillRef idx="0">
+            <a:schemeClr val="accent1"/>
+          </a:fillRef>
+          <a:effectRef idx="0">
+            <a:schemeClr val="accent1"/>
+          </a:effectRef>
+          <a:fontRef idx="minor">
+            <a:schemeClr val="tx1"/>
+          </a:fontRef>
+        </p:style>
+      </p:cxnSp>
+      <p:cxnSp>
+        <p:nvCxnSpPr>
+          <p:cNvPr id="30" name="肘形连接符 29"/>
+          <p:cNvCxnSpPr>
+            <a:stCxn id="11" idx="7"/>
+            <a:endCxn id="16" idx="1"/>
+          </p:cNvCxnSpPr>
+          <p:nvPr/>
+        </p:nvCxnSpPr>
+        <p:spPr>
+          <a:xfrm rot="5400000" flipH="1" flipV="1">
+            <a:off x="6515611" y="2118249"/>
+            <a:ext cx="12700" cy="1162138"/>
+          </a:xfrm>
+          <a:prstGeom prst="bentConnector3">
+            <a:avLst>
+              <a:gd name="adj1" fmla="val 3090843"/>
+            </a:avLst>
+          </a:prstGeom>
+          <a:ln>
+            <a:tailEnd type="triangle"/>
+          </a:ln>
+        </p:spPr>
+        <p:style>
+          <a:lnRef idx="1">
+            <a:schemeClr val="accent1"/>
+          </a:lnRef>
+          <a:fillRef idx="0">
+            <a:schemeClr val="accent1"/>
+          </a:fillRef>
+          <a:effectRef idx="0">
+            <a:schemeClr val="accent1"/>
+          </a:effectRef>
+          <a:fontRef idx="minor">
+            <a:schemeClr val="tx1"/>
+          </a:fontRef>
+        </p:style>
+      </p:cxnSp>
+      <p:cxnSp>
+        <p:nvCxnSpPr>
+          <p:cNvPr id="32" name="肘形连接符 31"/>
+          <p:cNvCxnSpPr>
+            <a:stCxn id="11" idx="5"/>
+            <a:endCxn id="16" idx="3"/>
+          </p:cNvCxnSpPr>
+          <p:nvPr/>
+        </p:nvCxnSpPr>
+        <p:spPr>
+          <a:xfrm rot="16200000" flipH="1">
+            <a:off x="6515611" y="2441539"/>
+            <a:ext cx="12700" cy="1162138"/>
+          </a:xfrm>
+          <a:prstGeom prst="bentConnector3">
+            <a:avLst>
+              <a:gd name="adj1" fmla="val 2327205"/>
+            </a:avLst>
+          </a:prstGeom>
+          <a:ln>
+            <a:tailEnd type="triangle"/>
+          </a:ln>
+        </p:spPr>
+        <p:style>
+          <a:lnRef idx="1">
+            <a:schemeClr val="accent1"/>
+          </a:lnRef>
+          <a:fillRef idx="0">
+            <a:schemeClr val="accent1"/>
+          </a:fillRef>
+          <a:effectRef idx="0">
+            <a:schemeClr val="accent1"/>
+          </a:effectRef>
+          <a:fontRef idx="minor">
+            <a:schemeClr val="tx1"/>
+          </a:fontRef>
+        </p:style>
+      </p:cxnSp>
+      <p:sp>
+        <p:nvSpPr>
+          <p:cNvPr id="36" name="流程图: 联系 35"/>
+          <p:cNvSpPr/>
+          <p:nvPr/>
+        </p:nvSpPr>
+        <p:spPr>
+          <a:xfrm>
+            <a:off x="8190878" y="2626012"/>
+            <a:ext cx="457200" cy="457200"/>
+          </a:xfrm>
+          <a:prstGeom prst="flowChartConnector">
+            <a:avLst/>
+          </a:prstGeom>
+          <a:noFill/>
+          <a:ln>
+            <a:solidFill>
+              <a:schemeClr val="tx1"/>
+            </a:solidFill>
+          </a:ln>
+        </p:spPr>
+        <p:style>
+          <a:lnRef idx="2">
+            <a:schemeClr val="accent1">
+              <a:shade val="50000"/>
+            </a:schemeClr>
+          </a:lnRef>
+          <a:fillRef idx="1">
+            <a:schemeClr val="accent1"/>
+          </a:fillRef>
+          <a:effectRef idx="0">
+            <a:schemeClr val="accent1"/>
+          </a:effectRef>
+          <a:fontRef idx="minor">
+            <a:schemeClr val="lt1"/>
+          </a:fontRef>
+        </p:style>
+        <p:txBody>
+          <a:bodyPr rtlCol="0" anchor="ctr"/>
+          <a:lstStyle/>
+          <a:p>
+            <a:pPr algn="ctr"/>
+            <a:r>
+              <a:rPr lang="en-US" altLang="zh-CN" sz="2400" dirty="0">
+                <a:solidFill>
+                  <a:schemeClr val="tx1"/>
+                </a:solidFill>
+                <a:latin typeface="+mn-ea"/>
+              </a:rPr>
+              <a:t>8</a:t>
+            </a:r>
+            <a:endParaRPr lang="zh-CN" altLang="en-US" sz="2400" dirty="0">
+              <a:solidFill>
+                <a:schemeClr val="tx1"/>
+              </a:solidFill>
+              <a:latin typeface="+mn-ea"/>
+            </a:endParaRPr>
+          </a:p>
+        </p:txBody>
+      </p:sp>
+      <p:cxnSp>
+        <p:nvCxnSpPr>
+          <p:cNvPr id="38" name="直接箭头连接符 37"/>
+          <p:cNvCxnSpPr>
+            <a:stCxn id="16" idx="6"/>
+            <a:endCxn id="36" idx="2"/>
+          </p:cNvCxnSpPr>
+          <p:nvPr/>
+        </p:nvCxnSpPr>
+        <p:spPr>
+          <a:xfrm flipV="1">
+            <a:off x="7486925" y="2854612"/>
+            <a:ext cx="703953" cy="6351"/>
+          </a:xfrm>
+          <a:prstGeom prst="straightConnector1">
+            <a:avLst/>
+          </a:prstGeom>
+          <a:ln>
+            <a:tailEnd type="triangle"/>
+          </a:ln>
+        </p:spPr>
+        <p:style>
+          <a:lnRef idx="1">
+            <a:schemeClr val="accent1"/>
+          </a:lnRef>
+          <a:fillRef idx="0">
+            <a:schemeClr val="accent1"/>
+          </a:fillRef>
+          <a:effectRef idx="0">
+            <a:schemeClr val="accent1"/>
+          </a:effectRef>
+          <a:fontRef idx="minor">
+            <a:schemeClr val="tx1"/>
+          </a:fontRef>
+        </p:style>
+      </p:cxnSp>
+      <p:sp>
+        <p:nvSpPr>
+          <p:cNvPr id="39" name="流程图: 联系 38"/>
+          <p:cNvSpPr/>
+          <p:nvPr/>
+        </p:nvSpPr>
+        <p:spPr>
+          <a:xfrm>
+            <a:off x="9192503" y="2615613"/>
+            <a:ext cx="457200" cy="457200"/>
+          </a:xfrm>
+          <a:prstGeom prst="flowChartConnector">
+            <a:avLst/>
+          </a:prstGeom>
+          <a:noFill/>
+          <a:ln>
+            <a:solidFill>
+              <a:schemeClr val="tx1"/>
+            </a:solidFill>
+          </a:ln>
+        </p:spPr>
+        <p:style>
+          <a:lnRef idx="2">
+            <a:schemeClr val="accent1">
+              <a:shade val="50000"/>
+            </a:schemeClr>
+          </a:lnRef>
+          <a:fillRef idx="1">
+            <a:schemeClr val="accent1"/>
+          </a:fillRef>
+          <a:effectRef idx="0">
+            <a:schemeClr val="accent1"/>
+          </a:effectRef>
+          <a:fontRef idx="minor">
+            <a:schemeClr val="lt1"/>
+          </a:fontRef>
+        </p:style>
+        <p:txBody>
+          <a:bodyPr rtlCol="0" anchor="ctr"/>
+          <a:lstStyle/>
+          <a:p>
+            <a:pPr algn="ctr"/>
+            <a:r>
+              <a:rPr lang="en-US" altLang="zh-CN" sz="2400" dirty="0">
+                <a:solidFill>
+                  <a:schemeClr val="tx1"/>
+                </a:solidFill>
+                <a:latin typeface="+mn-ea"/>
+              </a:rPr>
+              <a:t>9</a:t>
+            </a:r>
+            <a:endParaRPr lang="zh-CN" altLang="en-US" sz="2400" dirty="0">
+              <a:solidFill>
+                <a:schemeClr val="tx1"/>
+              </a:solidFill>
+              <a:latin typeface="+mn-ea"/>
+            </a:endParaRPr>
+          </a:p>
+        </p:txBody>
+      </p:sp>
+      <p:cxnSp>
+        <p:nvCxnSpPr>
+          <p:cNvPr id="44" name="直接箭头连接符 43"/>
+          <p:cNvCxnSpPr>
+            <a:stCxn id="36" idx="6"/>
+            <a:endCxn id="39" idx="2"/>
+          </p:cNvCxnSpPr>
+          <p:nvPr/>
+        </p:nvCxnSpPr>
+        <p:spPr>
+          <a:xfrm flipV="1">
+            <a:off x="8648078" y="2844213"/>
+            <a:ext cx="544425" cy="10399"/>
+          </a:xfrm>
+          <a:prstGeom prst="straightConnector1">
+            <a:avLst/>
+          </a:prstGeom>
+          <a:ln>
+            <a:tailEnd type="triangle"/>
+          </a:ln>
+        </p:spPr>
+        <p:style>
+          <a:lnRef idx="1">
+            <a:schemeClr val="accent1"/>
+          </a:lnRef>
+          <a:fillRef idx="0">
+            <a:schemeClr val="accent1"/>
+          </a:fillRef>
+          <a:effectRef idx="0">
+            <a:schemeClr val="accent1"/>
+          </a:effectRef>
+          <a:fontRef idx="minor">
+            <a:schemeClr val="tx1"/>
+          </a:fontRef>
+        </p:style>
+      </p:cxnSp>
+      <p:sp>
+        <p:nvSpPr>
+          <p:cNvPr id="72" name="流程图: 联系 71"/>
+          <p:cNvSpPr/>
+          <p:nvPr/>
+        </p:nvSpPr>
+        <p:spPr>
+          <a:xfrm>
+            <a:off x="10205165" y="2615613"/>
+            <a:ext cx="457200" cy="457200"/>
+          </a:xfrm>
+          <a:prstGeom prst="flowChartConnector">
+            <a:avLst/>
+          </a:prstGeom>
+          <a:noFill/>
+          <a:ln>
+            <a:solidFill>
+              <a:schemeClr val="tx1"/>
+            </a:solidFill>
+          </a:ln>
+        </p:spPr>
+        <p:style>
+          <a:lnRef idx="2">
+            <a:schemeClr val="accent1">
+              <a:shade val="50000"/>
+            </a:schemeClr>
+          </a:lnRef>
+          <a:fillRef idx="1">
+            <a:schemeClr val="accent1"/>
+          </a:fillRef>
+          <a:effectRef idx="0">
+            <a:schemeClr val="accent1"/>
+          </a:effectRef>
+          <a:fontRef idx="minor">
+            <a:schemeClr val="lt1"/>
+          </a:fontRef>
+        </p:style>
+        <p:txBody>
+          <a:bodyPr rtlCol="0" anchor="ctr"/>
+          <a:lstStyle/>
+          <a:p>
+            <a:pPr algn="ctr"/>
+            <a:r>
+              <a:rPr lang="en-US" altLang="zh-CN" sz="1100" dirty="0" smtClean="0">
+                <a:solidFill>
+                  <a:schemeClr val="tx1"/>
+                </a:solidFill>
+                <a:latin typeface="+mn-ea"/>
+              </a:rPr>
+              <a:t>10</a:t>
+            </a:r>
+            <a:endParaRPr lang="zh-CN" altLang="en-US" sz="1100" dirty="0">
+              <a:solidFill>
+                <a:schemeClr val="tx1"/>
+              </a:solidFill>
+              <a:latin typeface="+mn-ea"/>
+            </a:endParaRPr>
+          </a:p>
+        </p:txBody>
+      </p:sp>
+      <p:cxnSp>
+        <p:nvCxnSpPr>
+          <p:cNvPr id="75" name="直接箭头连接符 74"/>
+          <p:cNvCxnSpPr>
+            <a:stCxn id="39" idx="6"/>
+            <a:endCxn id="72" idx="2"/>
+          </p:cNvCxnSpPr>
+          <p:nvPr/>
+        </p:nvCxnSpPr>
+        <p:spPr>
+          <a:xfrm>
+            <a:off x="9649703" y="2844213"/>
+            <a:ext cx="555462" cy="0"/>
+          </a:xfrm>
+          <a:prstGeom prst="straightConnector1">
+            <a:avLst/>
+          </a:prstGeom>
+          <a:ln>
+            <a:tailEnd type="triangle"/>
+          </a:ln>
+        </p:spPr>
+        <p:style>
+          <a:lnRef idx="1">
+            <a:schemeClr val="accent1"/>
+          </a:lnRef>
+          <a:fillRef idx="0">
+            <a:schemeClr val="accent1"/>
+          </a:fillRef>
+          <a:effectRef idx="0">
+            <a:schemeClr val="accent1"/>
+          </a:effectRef>
+          <a:fontRef idx="minor">
+            <a:schemeClr val="tx1"/>
+          </a:fontRef>
+        </p:style>
+      </p:cxnSp>
     </p:spTree>
     <p:extLst>
       <p:ext uri="{BB962C8B-B14F-4D97-AF65-F5344CB8AC3E}">

--- a/src/main/com/wqj/pm/网络图.pptx
+++ b/src/main/com/wqj/pm/网络图.pptx
@@ -243,7 +243,7 @@
           <a:p>
             <a:fld id="{D89A0BFB-5C47-4CE2-9508-7FFE9FC64886}" type="datetimeFigureOut">
               <a:rPr lang="zh-CN" altLang="en-US" smtClean="0"/>
-              <a:t>2021/6/1</a:t>
+              <a:t>2021/6/2</a:t>
             </a:fld>
             <a:endParaRPr lang="zh-CN" altLang="en-US"/>
           </a:p>
@@ -413,7 +413,7 @@
           <a:p>
             <a:fld id="{D89A0BFB-5C47-4CE2-9508-7FFE9FC64886}" type="datetimeFigureOut">
               <a:rPr lang="zh-CN" altLang="en-US" smtClean="0"/>
-              <a:t>2021/6/1</a:t>
+              <a:t>2021/6/2</a:t>
             </a:fld>
             <a:endParaRPr lang="zh-CN" altLang="en-US"/>
           </a:p>
@@ -593,7 +593,7 @@
           <a:p>
             <a:fld id="{D89A0BFB-5C47-4CE2-9508-7FFE9FC64886}" type="datetimeFigureOut">
               <a:rPr lang="zh-CN" altLang="en-US" smtClean="0"/>
-              <a:t>2021/6/1</a:t>
+              <a:t>2021/6/2</a:t>
             </a:fld>
             <a:endParaRPr lang="zh-CN" altLang="en-US"/>
           </a:p>
@@ -763,7 +763,7 @@
           <a:p>
             <a:fld id="{D89A0BFB-5C47-4CE2-9508-7FFE9FC64886}" type="datetimeFigureOut">
               <a:rPr lang="zh-CN" altLang="en-US" smtClean="0"/>
-              <a:t>2021/6/1</a:t>
+              <a:t>2021/6/2</a:t>
             </a:fld>
             <a:endParaRPr lang="zh-CN" altLang="en-US"/>
           </a:p>
@@ -1009,7 +1009,7 @@
           <a:p>
             <a:fld id="{D89A0BFB-5C47-4CE2-9508-7FFE9FC64886}" type="datetimeFigureOut">
               <a:rPr lang="zh-CN" altLang="en-US" smtClean="0"/>
-              <a:t>2021/6/1</a:t>
+              <a:t>2021/6/2</a:t>
             </a:fld>
             <a:endParaRPr lang="zh-CN" altLang="en-US"/>
           </a:p>
@@ -1241,7 +1241,7 @@
           <a:p>
             <a:fld id="{D89A0BFB-5C47-4CE2-9508-7FFE9FC64886}" type="datetimeFigureOut">
               <a:rPr lang="zh-CN" altLang="en-US" smtClean="0"/>
-              <a:t>2021/6/1</a:t>
+              <a:t>2021/6/2</a:t>
             </a:fld>
             <a:endParaRPr lang="zh-CN" altLang="en-US"/>
           </a:p>
@@ -1608,7 +1608,7 @@
           <a:p>
             <a:fld id="{D89A0BFB-5C47-4CE2-9508-7FFE9FC64886}" type="datetimeFigureOut">
               <a:rPr lang="zh-CN" altLang="en-US" smtClean="0"/>
-              <a:t>2021/6/1</a:t>
+              <a:t>2021/6/2</a:t>
             </a:fld>
             <a:endParaRPr lang="zh-CN" altLang="en-US"/>
           </a:p>
@@ -1726,7 +1726,7 @@
           <a:p>
             <a:fld id="{D89A0BFB-5C47-4CE2-9508-7FFE9FC64886}" type="datetimeFigureOut">
               <a:rPr lang="zh-CN" altLang="en-US" smtClean="0"/>
-              <a:t>2021/6/1</a:t>
+              <a:t>2021/6/2</a:t>
             </a:fld>
             <a:endParaRPr lang="zh-CN" altLang="en-US"/>
           </a:p>
@@ -1821,7 +1821,7 @@
           <a:p>
             <a:fld id="{D89A0BFB-5C47-4CE2-9508-7FFE9FC64886}" type="datetimeFigureOut">
               <a:rPr lang="zh-CN" altLang="en-US" smtClean="0"/>
-              <a:t>2021/6/1</a:t>
+              <a:t>2021/6/2</a:t>
             </a:fld>
             <a:endParaRPr lang="zh-CN" altLang="en-US"/>
           </a:p>
@@ -2098,7 +2098,7 @@
           <a:p>
             <a:fld id="{D89A0BFB-5C47-4CE2-9508-7FFE9FC64886}" type="datetimeFigureOut">
               <a:rPr lang="zh-CN" altLang="en-US" smtClean="0"/>
-              <a:t>2021/6/1</a:t>
+              <a:t>2021/6/2</a:t>
             </a:fld>
             <a:endParaRPr lang="zh-CN" altLang="en-US"/>
           </a:p>
@@ -2351,7 +2351,7 @@
           <a:p>
             <a:fld id="{D89A0BFB-5C47-4CE2-9508-7FFE9FC64886}" type="datetimeFigureOut">
               <a:rPr lang="zh-CN" altLang="en-US" smtClean="0"/>
-              <a:t>2021/6/1</a:t>
+              <a:t>2021/6/2</a:t>
             </a:fld>
             <a:endParaRPr lang="zh-CN" altLang="en-US"/>
           </a:p>
@@ -2564,7 +2564,7 @@
           <a:p>
             <a:fld id="{D89A0BFB-5C47-4CE2-9508-7FFE9FC64886}" type="datetimeFigureOut">
               <a:rPr lang="zh-CN" altLang="en-US" smtClean="0"/>
-              <a:t>2021/6/1</a:t>
+              <a:t>2021/6/2</a:t>
             </a:fld>
             <a:endParaRPr lang="zh-CN" altLang="en-US"/>
           </a:p>
@@ -3529,7 +3529,7 @@
           </a:xfrm>
           <a:prstGeom prst="bentConnector3">
             <a:avLst>
-              <a:gd name="adj1" fmla="val 4309094"/>
+              <a:gd name="adj1" fmla="val 5395890"/>
             </a:avLst>
           </a:prstGeom>
           <a:ln>
@@ -3567,7 +3567,7 @@
           </a:xfrm>
           <a:prstGeom prst="bentConnector3">
             <a:avLst>
-              <a:gd name="adj1" fmla="val 3981819"/>
+              <a:gd name="adj1" fmla="val 5544079"/>
             </a:avLst>
           </a:prstGeom>
           <a:ln>
@@ -3605,7 +3605,7 @@
           </a:xfrm>
           <a:prstGeom prst="bentConnector3">
             <a:avLst>
-              <a:gd name="adj1" fmla="val 3090843"/>
+              <a:gd name="adj1" fmla="val 1528575"/>
             </a:avLst>
           </a:prstGeom>
           <a:ln>
@@ -3643,7 +3643,7 @@
           </a:xfrm>
           <a:prstGeom prst="bentConnector3">
             <a:avLst>
-              <a:gd name="adj1" fmla="val 2327205"/>
+              <a:gd name="adj1" fmla="val 1512110"/>
             </a:avLst>
           </a:prstGeom>
           <a:ln>
@@ -3673,7 +3673,7 @@
         </p:nvSpPr>
         <p:spPr>
           <a:xfrm>
-            <a:off x="8190878" y="2626012"/>
+            <a:off x="8052178" y="2625218"/>
             <a:ext cx="457200" cy="457200"/>
           </a:xfrm>
           <a:prstGeom prst="flowChartConnector">
@@ -3736,8 +3736,8 @@
         </p:nvCxnSpPr>
         <p:spPr>
           <a:xfrm flipV="1">
-            <a:off x="7486925" y="2854612"/>
-            <a:ext cx="703953" cy="6351"/>
+            <a:off x="7486925" y="2853818"/>
+            <a:ext cx="565253" cy="7145"/>
           </a:xfrm>
           <a:prstGeom prst="straightConnector1">
             <a:avLst/>
@@ -3769,7 +3769,7 @@
         </p:nvSpPr>
         <p:spPr>
           <a:xfrm>
-            <a:off x="9192503" y="2615613"/>
+            <a:off x="8992576" y="2613381"/>
             <a:ext cx="457200" cy="457200"/>
           </a:xfrm>
           <a:prstGeom prst="flowChartConnector">
@@ -3832,8 +3832,8 @@
         </p:nvCxnSpPr>
         <p:spPr>
           <a:xfrm flipV="1">
-            <a:off x="8648078" y="2844213"/>
-            <a:ext cx="544425" cy="10399"/>
+            <a:off x="8509378" y="2841981"/>
+            <a:ext cx="483198" cy="11837"/>
           </a:xfrm>
           <a:prstGeom prst="straightConnector1">
             <a:avLst/>
@@ -3865,7 +3865,7 @@
         </p:nvSpPr>
         <p:spPr>
           <a:xfrm>
-            <a:off x="10205165" y="2615613"/>
+            <a:off x="10144652" y="2613381"/>
             <a:ext cx="457200" cy="457200"/>
           </a:xfrm>
           <a:prstGeom prst="flowChartConnector">
@@ -3928,8 +3928,8 @@
         </p:nvCxnSpPr>
         <p:spPr>
           <a:xfrm>
-            <a:off x="9649703" y="2844213"/>
-            <a:ext cx="555462" cy="0"/>
+            <a:off x="9449776" y="2841981"/>
+            <a:ext cx="694876" cy="0"/>
           </a:xfrm>
           <a:prstGeom prst="straightConnector1">
             <a:avLst/>
@@ -3953,6 +3953,742 @@
           </a:fontRef>
         </p:style>
       </p:cxnSp>
+      <p:sp>
+        <p:nvSpPr>
+          <p:cNvPr id="15" name="文本框 14"/>
+          <p:cNvSpPr txBox="1"/>
+          <p:nvPr/>
+        </p:nvSpPr>
+        <p:spPr>
+          <a:xfrm>
+            <a:off x="1116696" y="2622986"/>
+            <a:ext cx="784828" cy="230832"/>
+          </a:xfrm>
+          <a:prstGeom prst="rect">
+            <a:avLst/>
+          </a:prstGeom>
+          <a:noFill/>
+        </p:spPr>
+        <p:txBody>
+          <a:bodyPr wrap="square" rtlCol="0">
+            <a:spAutoFit/>
+          </a:bodyPr>
+          <a:lstStyle/>
+          <a:p>
+            <a:r>
+              <a:rPr lang="zh-CN" altLang="en-US" sz="900" dirty="0" smtClean="0"/>
+              <a:t>可行性分析</a:t>
+            </a:r>
+            <a:endParaRPr lang="zh-CN" altLang="en-US" sz="900" dirty="0"/>
+          </a:p>
+        </p:txBody>
+      </p:sp>
+      <p:sp>
+        <p:nvSpPr>
+          <p:cNvPr id="31" name="文本框 30"/>
+          <p:cNvSpPr txBox="1"/>
+          <p:nvPr/>
+        </p:nvSpPr>
+        <p:spPr>
+          <a:xfrm>
+            <a:off x="2380791" y="3079421"/>
+            <a:ext cx="784828" cy="230832"/>
+          </a:xfrm>
+          <a:prstGeom prst="rect">
+            <a:avLst/>
+          </a:prstGeom>
+          <a:noFill/>
+        </p:spPr>
+        <p:txBody>
+          <a:bodyPr wrap="square" rtlCol="0">
+            <a:spAutoFit/>
+          </a:bodyPr>
+          <a:lstStyle/>
+          <a:p>
+            <a:r>
+              <a:rPr lang="zh-CN" altLang="en-US" sz="900" dirty="0" smtClean="0"/>
+              <a:t>需求分析</a:t>
+            </a:r>
+            <a:endParaRPr lang="zh-CN" altLang="en-US" sz="900" dirty="0"/>
+          </a:p>
+        </p:txBody>
+      </p:sp>
+      <p:sp>
+        <p:nvSpPr>
+          <p:cNvPr id="33" name="文本框 32"/>
+          <p:cNvSpPr txBox="1"/>
+          <p:nvPr/>
+        </p:nvSpPr>
+        <p:spPr>
+          <a:xfrm>
+            <a:off x="2380791" y="2078297"/>
+            <a:ext cx="784828" cy="230832"/>
+          </a:xfrm>
+          <a:prstGeom prst="rect">
+            <a:avLst/>
+          </a:prstGeom>
+          <a:noFill/>
+        </p:spPr>
+        <p:txBody>
+          <a:bodyPr wrap="square" rtlCol="0">
+            <a:spAutoFit/>
+          </a:bodyPr>
+          <a:lstStyle/>
+          <a:p>
+            <a:r>
+              <a:rPr lang="zh-CN" altLang="en-US" sz="900" dirty="0"/>
+              <a:t>需求调研</a:t>
+            </a:r>
+          </a:p>
+        </p:txBody>
+      </p:sp>
+      <p:sp>
+        <p:nvSpPr>
+          <p:cNvPr id="34" name="文本框 33"/>
+          <p:cNvSpPr txBox="1"/>
+          <p:nvPr/>
+        </p:nvSpPr>
+        <p:spPr>
+          <a:xfrm>
+            <a:off x="3665538" y="2590252"/>
+            <a:ext cx="784828" cy="230832"/>
+          </a:xfrm>
+          <a:prstGeom prst="rect">
+            <a:avLst/>
+          </a:prstGeom>
+          <a:noFill/>
+        </p:spPr>
+        <p:txBody>
+          <a:bodyPr wrap="square" rtlCol="0">
+            <a:spAutoFit/>
+          </a:bodyPr>
+          <a:lstStyle/>
+          <a:p>
+            <a:r>
+              <a:rPr lang="zh-CN" altLang="en-US" sz="900" dirty="0" smtClean="0"/>
+              <a:t>原型设计</a:t>
+            </a:r>
+            <a:endParaRPr lang="zh-CN" altLang="en-US" sz="900" dirty="0"/>
+          </a:p>
+        </p:txBody>
+      </p:sp>
+      <p:sp>
+        <p:nvSpPr>
+          <p:cNvPr id="35" name="文本框 34"/>
+          <p:cNvSpPr txBox="1"/>
+          <p:nvPr/>
+        </p:nvSpPr>
+        <p:spPr>
+          <a:xfrm>
+            <a:off x="4888569" y="2583902"/>
+            <a:ext cx="784828" cy="230832"/>
+          </a:xfrm>
+          <a:prstGeom prst="rect">
+            <a:avLst/>
+          </a:prstGeom>
+          <a:noFill/>
+        </p:spPr>
+        <p:txBody>
+          <a:bodyPr wrap="square" rtlCol="0">
+            <a:spAutoFit/>
+          </a:bodyPr>
+          <a:lstStyle/>
+          <a:p>
+            <a:r>
+              <a:rPr lang="en-US" altLang="zh-CN" sz="900" dirty="0"/>
+              <a:t>UI</a:t>
+            </a:r>
+            <a:r>
+              <a:rPr lang="zh-CN" altLang="en-US" sz="900" dirty="0" smtClean="0"/>
+              <a:t>设计</a:t>
+            </a:r>
+            <a:endParaRPr lang="zh-CN" altLang="en-US" sz="900" dirty="0"/>
+          </a:p>
+        </p:txBody>
+      </p:sp>
+      <p:sp>
+        <p:nvSpPr>
+          <p:cNvPr id="37" name="文本框 36"/>
+          <p:cNvSpPr txBox="1"/>
+          <p:nvPr/>
+        </p:nvSpPr>
+        <p:spPr>
+          <a:xfrm>
+            <a:off x="6129547" y="1741529"/>
+            <a:ext cx="784828" cy="230832"/>
+          </a:xfrm>
+          <a:prstGeom prst="rect">
+            <a:avLst/>
+          </a:prstGeom>
+          <a:noFill/>
+        </p:spPr>
+        <p:txBody>
+          <a:bodyPr wrap="square" rtlCol="0">
+            <a:spAutoFit/>
+          </a:bodyPr>
+          <a:lstStyle/>
+          <a:p>
+            <a:r>
+              <a:rPr lang="zh-CN" altLang="en-US" sz="900" dirty="0"/>
+              <a:t>后端开发</a:t>
+            </a:r>
+          </a:p>
+        </p:txBody>
+      </p:sp>
+      <p:sp>
+        <p:nvSpPr>
+          <p:cNvPr id="40" name="文本框 39"/>
+          <p:cNvSpPr txBox="1"/>
+          <p:nvPr/>
+        </p:nvSpPr>
+        <p:spPr>
+          <a:xfrm>
+            <a:off x="6129547" y="2282950"/>
+            <a:ext cx="784828" cy="230832"/>
+          </a:xfrm>
+          <a:prstGeom prst="rect">
+            <a:avLst/>
+          </a:prstGeom>
+          <a:noFill/>
+        </p:spPr>
+        <p:txBody>
+          <a:bodyPr wrap="square" rtlCol="0">
+            <a:spAutoFit/>
+          </a:bodyPr>
+          <a:lstStyle/>
+          <a:p>
+            <a:r>
+              <a:rPr lang="zh-CN" altLang="en-US" sz="900" dirty="0" smtClean="0"/>
+              <a:t>前端开发</a:t>
+            </a:r>
+            <a:endParaRPr lang="zh-CN" altLang="en-US" sz="900" dirty="0"/>
+          </a:p>
+        </p:txBody>
+      </p:sp>
+      <p:sp>
+        <p:nvSpPr>
+          <p:cNvPr id="41" name="文本框 40"/>
+          <p:cNvSpPr txBox="1"/>
+          <p:nvPr/>
+        </p:nvSpPr>
+        <p:spPr>
+          <a:xfrm>
+            <a:off x="6147310" y="2992621"/>
+            <a:ext cx="784828" cy="230832"/>
+          </a:xfrm>
+          <a:prstGeom prst="rect">
+            <a:avLst/>
+          </a:prstGeom>
+          <a:noFill/>
+        </p:spPr>
+        <p:txBody>
+          <a:bodyPr wrap="square" rtlCol="0">
+            <a:spAutoFit/>
+          </a:bodyPr>
+          <a:lstStyle/>
+          <a:p>
+            <a:r>
+              <a:rPr lang="zh-CN" altLang="en-US" sz="900" dirty="0"/>
+              <a:t>大数据开发</a:t>
+            </a:r>
+          </a:p>
+        </p:txBody>
+      </p:sp>
+      <p:sp>
+        <p:nvSpPr>
+          <p:cNvPr id="42" name="文本框 41"/>
+          <p:cNvSpPr txBox="1"/>
+          <p:nvPr/>
+        </p:nvSpPr>
+        <p:spPr>
+          <a:xfrm>
+            <a:off x="6138175" y="3581825"/>
+            <a:ext cx="917889" cy="231160"/>
+          </a:xfrm>
+          <a:prstGeom prst="rect">
+            <a:avLst/>
+          </a:prstGeom>
+          <a:noFill/>
+        </p:spPr>
+        <p:txBody>
+          <a:bodyPr wrap="square" rtlCol="0">
+            <a:spAutoFit/>
+          </a:bodyPr>
+          <a:lstStyle/>
+          <a:p>
+            <a:r>
+              <a:rPr lang="zh-CN" altLang="en-US" sz="900" dirty="0"/>
+              <a:t>运维</a:t>
+            </a:r>
+            <a:r>
+              <a:rPr lang="zh-CN" altLang="en-US" sz="900" dirty="0" smtClean="0"/>
+              <a:t>环境部署</a:t>
+            </a:r>
+            <a:endParaRPr lang="zh-CN" altLang="en-US" sz="900" dirty="0"/>
+          </a:p>
+        </p:txBody>
+      </p:sp>
+      <p:sp>
+        <p:nvSpPr>
+          <p:cNvPr id="43" name="文本框 42"/>
+          <p:cNvSpPr txBox="1"/>
+          <p:nvPr/>
+        </p:nvSpPr>
+        <p:spPr>
+          <a:xfrm>
+            <a:off x="7446488" y="2630131"/>
+            <a:ext cx="784828" cy="230832"/>
+          </a:xfrm>
+          <a:prstGeom prst="rect">
+            <a:avLst/>
+          </a:prstGeom>
+          <a:noFill/>
+        </p:spPr>
+        <p:txBody>
+          <a:bodyPr wrap="square" rtlCol="0">
+            <a:spAutoFit/>
+          </a:bodyPr>
+          <a:lstStyle/>
+          <a:p>
+            <a:r>
+              <a:rPr lang="zh-CN" altLang="en-US" sz="900" dirty="0" smtClean="0"/>
+              <a:t>项目</a:t>
+            </a:r>
+            <a:r>
+              <a:rPr lang="zh-CN" altLang="en-US" sz="900" dirty="0"/>
+              <a:t>联调</a:t>
+            </a:r>
+          </a:p>
+        </p:txBody>
+      </p:sp>
+      <p:sp>
+        <p:nvSpPr>
+          <p:cNvPr id="45" name="文本框 44"/>
+          <p:cNvSpPr txBox="1"/>
+          <p:nvPr/>
+        </p:nvSpPr>
+        <p:spPr>
+          <a:xfrm>
+            <a:off x="8436348" y="2613381"/>
+            <a:ext cx="784828" cy="230832"/>
+          </a:xfrm>
+          <a:prstGeom prst="rect">
+            <a:avLst/>
+          </a:prstGeom>
+          <a:noFill/>
+        </p:spPr>
+        <p:txBody>
+          <a:bodyPr wrap="square" rtlCol="0">
+            <a:spAutoFit/>
+          </a:bodyPr>
+          <a:lstStyle/>
+          <a:p>
+            <a:r>
+              <a:rPr lang="zh-CN" altLang="en-US" sz="900" dirty="0" smtClean="0"/>
+              <a:t>项目测试</a:t>
+            </a:r>
+            <a:endParaRPr lang="zh-CN" altLang="en-US" sz="900" dirty="0"/>
+          </a:p>
+        </p:txBody>
+      </p:sp>
+      <p:sp>
+        <p:nvSpPr>
+          <p:cNvPr id="46" name="文本框 45"/>
+          <p:cNvSpPr txBox="1"/>
+          <p:nvPr/>
+        </p:nvSpPr>
+        <p:spPr>
+          <a:xfrm>
+            <a:off x="9380400" y="2594856"/>
+            <a:ext cx="970612" cy="230832"/>
+          </a:xfrm>
+          <a:prstGeom prst="rect">
+            <a:avLst/>
+          </a:prstGeom>
+          <a:noFill/>
+        </p:spPr>
+        <p:txBody>
+          <a:bodyPr wrap="square" rtlCol="0">
+            <a:spAutoFit/>
+          </a:bodyPr>
+          <a:lstStyle/>
+          <a:p>
+            <a:r>
+              <a:rPr lang="zh-CN" altLang="en-US" sz="900" dirty="0" smtClean="0"/>
+              <a:t>项目正式上线</a:t>
+            </a:r>
+            <a:endParaRPr lang="zh-CN" altLang="en-US" sz="900" dirty="0"/>
+          </a:p>
+        </p:txBody>
+      </p:sp>
+      <p:sp>
+        <p:nvSpPr>
+          <p:cNvPr id="29" name="文本框 28"/>
+          <p:cNvSpPr txBox="1"/>
+          <p:nvPr/>
+        </p:nvSpPr>
+        <p:spPr>
+          <a:xfrm>
+            <a:off x="1266730" y="2899496"/>
+            <a:ext cx="457200" cy="246221"/>
+          </a:xfrm>
+          <a:prstGeom prst="rect">
+            <a:avLst/>
+          </a:prstGeom>
+          <a:noFill/>
+        </p:spPr>
+        <p:txBody>
+          <a:bodyPr wrap="square" rtlCol="0">
+            <a:spAutoFit/>
+          </a:bodyPr>
+          <a:lstStyle/>
+          <a:p>
+            <a:r>
+              <a:rPr lang="en-US" altLang="zh-CN" sz="1000" dirty="0" smtClean="0"/>
+              <a:t>20</a:t>
+            </a:r>
+            <a:endParaRPr lang="zh-CN" altLang="en-US" sz="1000" dirty="0"/>
+          </a:p>
+        </p:txBody>
+      </p:sp>
+      <p:sp>
+        <p:nvSpPr>
+          <p:cNvPr id="49" name="文本框 48"/>
+          <p:cNvSpPr txBox="1"/>
+          <p:nvPr/>
+        </p:nvSpPr>
+        <p:spPr>
+          <a:xfrm>
+            <a:off x="2549195" y="2423265"/>
+            <a:ext cx="457200" cy="246221"/>
+          </a:xfrm>
+          <a:prstGeom prst="rect">
+            <a:avLst/>
+          </a:prstGeom>
+          <a:noFill/>
+        </p:spPr>
+        <p:txBody>
+          <a:bodyPr wrap="square" rtlCol="0">
+            <a:spAutoFit/>
+          </a:bodyPr>
+          <a:lstStyle/>
+          <a:p>
+            <a:r>
+              <a:rPr lang="en-US" altLang="zh-CN" sz="1000" dirty="0" smtClean="0"/>
+              <a:t>14</a:t>
+            </a:r>
+            <a:endParaRPr lang="zh-CN" altLang="en-US" sz="1000" dirty="0"/>
+          </a:p>
+        </p:txBody>
+      </p:sp>
+      <p:sp>
+        <p:nvSpPr>
+          <p:cNvPr id="50" name="文本框 49"/>
+          <p:cNvSpPr txBox="1"/>
+          <p:nvPr/>
+        </p:nvSpPr>
+        <p:spPr>
+          <a:xfrm>
+            <a:off x="2549195" y="3423652"/>
+            <a:ext cx="457200" cy="246221"/>
+          </a:xfrm>
+          <a:prstGeom prst="rect">
+            <a:avLst/>
+          </a:prstGeom>
+          <a:noFill/>
+        </p:spPr>
+        <p:txBody>
+          <a:bodyPr wrap="square" rtlCol="0">
+            <a:spAutoFit/>
+          </a:bodyPr>
+          <a:lstStyle/>
+          <a:p>
+            <a:r>
+              <a:rPr lang="en-US" altLang="zh-CN" sz="1000" dirty="0" smtClean="0"/>
+              <a:t>7</a:t>
+            </a:r>
+            <a:endParaRPr lang="zh-CN" altLang="en-US" sz="1000" dirty="0"/>
+          </a:p>
+        </p:txBody>
+      </p:sp>
+      <p:sp>
+        <p:nvSpPr>
+          <p:cNvPr id="51" name="文本框 50"/>
+          <p:cNvSpPr txBox="1"/>
+          <p:nvPr/>
+        </p:nvSpPr>
+        <p:spPr>
+          <a:xfrm>
+            <a:off x="3807285" y="2884906"/>
+            <a:ext cx="457200" cy="246221"/>
+          </a:xfrm>
+          <a:prstGeom prst="rect">
+            <a:avLst/>
+          </a:prstGeom>
+          <a:noFill/>
+        </p:spPr>
+        <p:txBody>
+          <a:bodyPr wrap="square" rtlCol="0">
+            <a:spAutoFit/>
+          </a:bodyPr>
+          <a:lstStyle/>
+          <a:p>
+            <a:r>
+              <a:rPr lang="en-US" altLang="zh-CN" sz="1000" dirty="0" smtClean="0"/>
+              <a:t>14</a:t>
+            </a:r>
+            <a:endParaRPr lang="zh-CN" altLang="en-US" sz="1000" dirty="0"/>
+          </a:p>
+        </p:txBody>
+      </p:sp>
+      <p:sp>
+        <p:nvSpPr>
+          <p:cNvPr id="52" name="文本框 51"/>
+          <p:cNvSpPr txBox="1"/>
+          <p:nvPr/>
+        </p:nvSpPr>
+        <p:spPr>
+          <a:xfrm>
+            <a:off x="4984881" y="2907193"/>
+            <a:ext cx="457200" cy="246221"/>
+          </a:xfrm>
+          <a:prstGeom prst="rect">
+            <a:avLst/>
+          </a:prstGeom>
+          <a:noFill/>
+        </p:spPr>
+        <p:txBody>
+          <a:bodyPr wrap="square" rtlCol="0">
+            <a:spAutoFit/>
+          </a:bodyPr>
+          <a:lstStyle/>
+          <a:p>
+            <a:r>
+              <a:rPr lang="en-US" altLang="zh-CN" sz="1000" dirty="0" smtClean="0"/>
+              <a:t>30</a:t>
+            </a:r>
+            <a:endParaRPr lang="zh-CN" altLang="en-US" sz="1000" dirty="0"/>
+          </a:p>
+        </p:txBody>
+      </p:sp>
+      <p:sp>
+        <p:nvSpPr>
+          <p:cNvPr id="53" name="文本框 52"/>
+          <p:cNvSpPr txBox="1"/>
+          <p:nvPr/>
+        </p:nvSpPr>
+        <p:spPr>
+          <a:xfrm>
+            <a:off x="6293361" y="1992752"/>
+            <a:ext cx="457200" cy="246221"/>
+          </a:xfrm>
+          <a:prstGeom prst="rect">
+            <a:avLst/>
+          </a:prstGeom>
+          <a:noFill/>
+        </p:spPr>
+        <p:txBody>
+          <a:bodyPr wrap="square" rtlCol="0">
+            <a:spAutoFit/>
+          </a:bodyPr>
+          <a:lstStyle/>
+          <a:p>
+            <a:r>
+              <a:rPr lang="en-US" altLang="zh-CN" sz="1000" dirty="0" smtClean="0"/>
+              <a:t>180</a:t>
+            </a:r>
+            <a:endParaRPr lang="zh-CN" altLang="en-US" sz="1000" dirty="0"/>
+          </a:p>
+        </p:txBody>
+      </p:sp>
+      <p:sp>
+        <p:nvSpPr>
+          <p:cNvPr id="54" name="文本框 53"/>
+          <p:cNvSpPr txBox="1"/>
+          <p:nvPr/>
+        </p:nvSpPr>
+        <p:spPr>
+          <a:xfrm>
+            <a:off x="6288771" y="2499326"/>
+            <a:ext cx="457200" cy="246221"/>
+          </a:xfrm>
+          <a:prstGeom prst="rect">
+            <a:avLst/>
+          </a:prstGeom>
+          <a:noFill/>
+        </p:spPr>
+        <p:txBody>
+          <a:bodyPr wrap="square" rtlCol="0">
+            <a:spAutoFit/>
+          </a:bodyPr>
+          <a:lstStyle/>
+          <a:p>
+            <a:r>
+              <a:rPr lang="en-US" altLang="zh-CN" sz="1000" dirty="0" smtClean="0"/>
+              <a:t>1</a:t>
+            </a:r>
+            <a:r>
+              <a:rPr lang="en-US" altLang="zh-CN" sz="1000" dirty="0"/>
+              <a:t>5</a:t>
+            </a:r>
+            <a:r>
+              <a:rPr lang="en-US" altLang="zh-CN" sz="1000" dirty="0" smtClean="0"/>
+              <a:t>0</a:t>
+            </a:r>
+            <a:endParaRPr lang="zh-CN" altLang="en-US" sz="1000" dirty="0"/>
+          </a:p>
+        </p:txBody>
+      </p:sp>
+      <p:sp>
+        <p:nvSpPr>
+          <p:cNvPr id="55" name="文本框 54"/>
+          <p:cNvSpPr txBox="1"/>
+          <p:nvPr/>
+        </p:nvSpPr>
+        <p:spPr>
+          <a:xfrm>
+            <a:off x="6311124" y="3205358"/>
+            <a:ext cx="457200" cy="246221"/>
+          </a:xfrm>
+          <a:prstGeom prst="rect">
+            <a:avLst/>
+          </a:prstGeom>
+          <a:noFill/>
+        </p:spPr>
+        <p:txBody>
+          <a:bodyPr wrap="square" rtlCol="0">
+            <a:spAutoFit/>
+          </a:bodyPr>
+          <a:lstStyle/>
+          <a:p>
+            <a:r>
+              <a:rPr lang="en-US" altLang="zh-CN" sz="1000" smtClean="0"/>
+              <a:t>80</a:t>
+            </a:r>
+            <a:endParaRPr lang="zh-CN" altLang="en-US" sz="1000" dirty="0"/>
+          </a:p>
+        </p:txBody>
+      </p:sp>
+      <p:sp>
+        <p:nvSpPr>
+          <p:cNvPr id="56" name="文本框 55"/>
+          <p:cNvSpPr txBox="1"/>
+          <p:nvPr/>
+        </p:nvSpPr>
+        <p:spPr>
+          <a:xfrm>
+            <a:off x="6311124" y="3815306"/>
+            <a:ext cx="457200" cy="246221"/>
+          </a:xfrm>
+          <a:prstGeom prst="rect">
+            <a:avLst/>
+          </a:prstGeom>
+          <a:noFill/>
+        </p:spPr>
+        <p:txBody>
+          <a:bodyPr wrap="square" rtlCol="0">
+            <a:spAutoFit/>
+          </a:bodyPr>
+          <a:lstStyle/>
+          <a:p>
+            <a:r>
+              <a:rPr lang="en-US" altLang="zh-CN" sz="1000" dirty="0" smtClean="0"/>
+              <a:t>20</a:t>
+            </a:r>
+            <a:endParaRPr lang="zh-CN" altLang="en-US" sz="1000" dirty="0"/>
+          </a:p>
+        </p:txBody>
+      </p:sp>
+      <p:sp>
+        <p:nvSpPr>
+          <p:cNvPr id="57" name="文本框 56"/>
+          <p:cNvSpPr txBox="1"/>
+          <p:nvPr/>
+        </p:nvSpPr>
+        <p:spPr>
+          <a:xfrm>
+            <a:off x="7545464" y="2865876"/>
+            <a:ext cx="457200" cy="246221"/>
+          </a:xfrm>
+          <a:prstGeom prst="rect">
+            <a:avLst/>
+          </a:prstGeom>
+          <a:noFill/>
+        </p:spPr>
+        <p:txBody>
+          <a:bodyPr wrap="square" rtlCol="0">
+            <a:spAutoFit/>
+          </a:bodyPr>
+          <a:lstStyle/>
+          <a:p>
+            <a:r>
+              <a:rPr lang="en-US" altLang="zh-CN" sz="1000" dirty="0" smtClean="0"/>
+              <a:t>30</a:t>
+            </a:r>
+            <a:endParaRPr lang="zh-CN" altLang="en-US" sz="1000" dirty="0"/>
+          </a:p>
+        </p:txBody>
+      </p:sp>
+      <p:sp>
+        <p:nvSpPr>
+          <p:cNvPr id="58" name="文本框 57"/>
+          <p:cNvSpPr txBox="1"/>
+          <p:nvPr/>
+        </p:nvSpPr>
+        <p:spPr>
+          <a:xfrm>
+            <a:off x="8558892" y="2852447"/>
+            <a:ext cx="457200" cy="246221"/>
+          </a:xfrm>
+          <a:prstGeom prst="rect">
+            <a:avLst/>
+          </a:prstGeom>
+          <a:noFill/>
+        </p:spPr>
+        <p:txBody>
+          <a:bodyPr wrap="square" rtlCol="0">
+            <a:spAutoFit/>
+          </a:bodyPr>
+          <a:lstStyle/>
+          <a:p>
+            <a:r>
+              <a:rPr lang="en-US" altLang="zh-CN" sz="1000" dirty="0" smtClean="0"/>
+              <a:t>45</a:t>
+            </a:r>
+            <a:endParaRPr lang="zh-CN" altLang="en-US" sz="1000" dirty="0"/>
+          </a:p>
+        </p:txBody>
+      </p:sp>
+      <p:sp>
+        <p:nvSpPr>
+          <p:cNvPr id="59" name="文本框 58"/>
+          <p:cNvSpPr txBox="1"/>
+          <p:nvPr/>
+        </p:nvSpPr>
+        <p:spPr>
+          <a:xfrm>
+            <a:off x="9553444" y="2833171"/>
+            <a:ext cx="457200" cy="246221"/>
+          </a:xfrm>
+          <a:prstGeom prst="rect">
+            <a:avLst/>
+          </a:prstGeom>
+          <a:noFill/>
+        </p:spPr>
+        <p:txBody>
+          <a:bodyPr wrap="square" rtlCol="0">
+            <a:spAutoFit/>
+          </a:bodyPr>
+          <a:lstStyle/>
+          <a:p>
+            <a:r>
+              <a:rPr lang="en-US" altLang="zh-CN" sz="1000" dirty="0" smtClean="0"/>
+              <a:t>20</a:t>
+            </a:r>
+            <a:endParaRPr lang="zh-CN" altLang="en-US" sz="1000" dirty="0"/>
+          </a:p>
+        </p:txBody>
+      </p:sp>
     </p:spTree>
     <p:extLst>
       <p:ext uri="{BB962C8B-B14F-4D97-AF65-F5344CB8AC3E}">

--- a/src/main/com/wqj/pm/网络图.pptx
+++ b/src/main/com/wqj/pm/网络图.pptx
@@ -6,6 +6,7 @@
   </p:sldMasterIdLst>
   <p:sldIdLst>
     <p:sldId id="256" r:id="rId2"/>
+    <p:sldId id="257" r:id="rId3"/>
   </p:sldIdLst>
   <p:sldSz cx="12192000" cy="6858000"/>
   <p:notesSz cx="6858000" cy="9144000"/>
@@ -243,7 +244,7 @@
           <a:p>
             <a:fld id="{D89A0BFB-5C47-4CE2-9508-7FFE9FC64886}" type="datetimeFigureOut">
               <a:rPr lang="zh-CN" altLang="en-US" smtClean="0"/>
-              <a:t>2021/6/2</a:t>
+              <a:t>2021/6/3</a:t>
             </a:fld>
             <a:endParaRPr lang="zh-CN" altLang="en-US"/>
           </a:p>
@@ -413,7 +414,7 @@
           <a:p>
             <a:fld id="{D89A0BFB-5C47-4CE2-9508-7FFE9FC64886}" type="datetimeFigureOut">
               <a:rPr lang="zh-CN" altLang="en-US" smtClean="0"/>
-              <a:t>2021/6/2</a:t>
+              <a:t>2021/6/3</a:t>
             </a:fld>
             <a:endParaRPr lang="zh-CN" altLang="en-US"/>
           </a:p>
@@ -593,7 +594,7 @@
           <a:p>
             <a:fld id="{D89A0BFB-5C47-4CE2-9508-7FFE9FC64886}" type="datetimeFigureOut">
               <a:rPr lang="zh-CN" altLang="en-US" smtClean="0"/>
-              <a:t>2021/6/2</a:t>
+              <a:t>2021/6/3</a:t>
             </a:fld>
             <a:endParaRPr lang="zh-CN" altLang="en-US"/>
           </a:p>
@@ -763,7 +764,7 @@
           <a:p>
             <a:fld id="{D89A0BFB-5C47-4CE2-9508-7FFE9FC64886}" type="datetimeFigureOut">
               <a:rPr lang="zh-CN" altLang="en-US" smtClean="0"/>
-              <a:t>2021/6/2</a:t>
+              <a:t>2021/6/3</a:t>
             </a:fld>
             <a:endParaRPr lang="zh-CN" altLang="en-US"/>
           </a:p>
@@ -1009,7 +1010,7 @@
           <a:p>
             <a:fld id="{D89A0BFB-5C47-4CE2-9508-7FFE9FC64886}" type="datetimeFigureOut">
               <a:rPr lang="zh-CN" altLang="en-US" smtClean="0"/>
-              <a:t>2021/6/2</a:t>
+              <a:t>2021/6/3</a:t>
             </a:fld>
             <a:endParaRPr lang="zh-CN" altLang="en-US"/>
           </a:p>
@@ -1241,7 +1242,7 @@
           <a:p>
             <a:fld id="{D89A0BFB-5C47-4CE2-9508-7FFE9FC64886}" type="datetimeFigureOut">
               <a:rPr lang="zh-CN" altLang="en-US" smtClean="0"/>
-              <a:t>2021/6/2</a:t>
+              <a:t>2021/6/3</a:t>
             </a:fld>
             <a:endParaRPr lang="zh-CN" altLang="en-US"/>
           </a:p>
@@ -1608,7 +1609,7 @@
           <a:p>
             <a:fld id="{D89A0BFB-5C47-4CE2-9508-7FFE9FC64886}" type="datetimeFigureOut">
               <a:rPr lang="zh-CN" altLang="en-US" smtClean="0"/>
-              <a:t>2021/6/2</a:t>
+              <a:t>2021/6/3</a:t>
             </a:fld>
             <a:endParaRPr lang="zh-CN" altLang="en-US"/>
           </a:p>
@@ -1726,7 +1727,7 @@
           <a:p>
             <a:fld id="{D89A0BFB-5C47-4CE2-9508-7FFE9FC64886}" type="datetimeFigureOut">
               <a:rPr lang="zh-CN" altLang="en-US" smtClean="0"/>
-              <a:t>2021/6/2</a:t>
+              <a:t>2021/6/3</a:t>
             </a:fld>
             <a:endParaRPr lang="zh-CN" altLang="en-US"/>
           </a:p>
@@ -1821,7 +1822,7 @@
           <a:p>
             <a:fld id="{D89A0BFB-5C47-4CE2-9508-7FFE9FC64886}" type="datetimeFigureOut">
               <a:rPr lang="zh-CN" altLang="en-US" smtClean="0"/>
-              <a:t>2021/6/2</a:t>
+              <a:t>2021/6/3</a:t>
             </a:fld>
             <a:endParaRPr lang="zh-CN" altLang="en-US"/>
           </a:p>
@@ -2098,7 +2099,7 @@
           <a:p>
             <a:fld id="{D89A0BFB-5C47-4CE2-9508-7FFE9FC64886}" type="datetimeFigureOut">
               <a:rPr lang="zh-CN" altLang="en-US" smtClean="0"/>
-              <a:t>2021/6/2</a:t>
+              <a:t>2021/6/3</a:t>
             </a:fld>
             <a:endParaRPr lang="zh-CN" altLang="en-US"/>
           </a:p>
@@ -2351,7 +2352,7 @@
           <a:p>
             <a:fld id="{D89A0BFB-5C47-4CE2-9508-7FFE9FC64886}" type="datetimeFigureOut">
               <a:rPr lang="zh-CN" altLang="en-US" smtClean="0"/>
-              <a:t>2021/6/2</a:t>
+              <a:t>2021/6/3</a:t>
             </a:fld>
             <a:endParaRPr lang="zh-CN" altLang="en-US"/>
           </a:p>
@@ -2564,7 +2565,7 @@
           <a:p>
             <a:fld id="{D89A0BFB-5C47-4CE2-9508-7FFE9FC64886}" type="datetimeFigureOut">
               <a:rPr lang="zh-CN" altLang="en-US" smtClean="0"/>
-              <a:t>2021/6/2</a:t>
+              <a:t>2021/6/3</a:t>
             </a:fld>
             <a:endParaRPr lang="zh-CN" altLang="en-US"/>
           </a:p>
@@ -3529,7 +3530,7 @@
           </a:xfrm>
           <a:prstGeom prst="bentConnector3">
             <a:avLst>
-              <a:gd name="adj1" fmla="val 5395890"/>
+              <a:gd name="adj1" fmla="val 8942157"/>
             </a:avLst>
           </a:prstGeom>
           <a:ln>
@@ -3567,7 +3568,7 @@
           </a:xfrm>
           <a:prstGeom prst="bentConnector3">
             <a:avLst>
-              <a:gd name="adj1" fmla="val 5544079"/>
+              <a:gd name="adj1" fmla="val 8982882"/>
             </a:avLst>
           </a:prstGeom>
           <a:ln>
@@ -3605,7 +3606,7 @@
           </a:xfrm>
           <a:prstGeom prst="bentConnector3">
             <a:avLst>
-              <a:gd name="adj1" fmla="val 1528575"/>
+              <a:gd name="adj1" fmla="val 4107677"/>
             </a:avLst>
           </a:prstGeom>
           <a:ln>
@@ -3643,7 +3644,7 @@
           </a:xfrm>
           <a:prstGeom prst="bentConnector3">
             <a:avLst>
-              <a:gd name="adj1" fmla="val 1512110"/>
+              <a:gd name="adj1" fmla="val 4843449"/>
             </a:avLst>
           </a:prstGeom>
           <a:ln>
@@ -4114,7 +4115,7 @@
         </p:nvSpPr>
         <p:spPr>
           <a:xfrm>
-            <a:off x="6129547" y="1741529"/>
+            <a:off x="6178366" y="1227883"/>
             <a:ext cx="784828" cy="230832"/>
           </a:xfrm>
           <a:prstGeom prst="rect">
@@ -4143,7 +4144,7 @@
         </p:nvSpPr>
         <p:spPr>
           <a:xfrm>
-            <a:off x="6129547" y="2282950"/>
+            <a:off x="6160168" y="1940339"/>
             <a:ext cx="784828" cy="230832"/>
           </a:xfrm>
           <a:prstGeom prst="rect">
@@ -4173,7 +4174,7 @@
         </p:nvSpPr>
         <p:spPr>
           <a:xfrm>
-            <a:off x="6147310" y="2992621"/>
+            <a:off x="6124957" y="3372870"/>
             <a:ext cx="784828" cy="230832"/>
           </a:xfrm>
           <a:prstGeom prst="rect">
@@ -4202,7 +4203,7 @@
         </p:nvSpPr>
         <p:spPr>
           <a:xfrm>
-            <a:off x="6138175" y="3581825"/>
+            <a:off x="6082566" y="2652505"/>
             <a:ext cx="917889" cy="231160"/>
           </a:xfrm>
           <a:prstGeom prst="rect">
@@ -4375,7 +4376,7 @@
           <a:p>
             <a:r>
               <a:rPr lang="en-US" altLang="zh-CN" sz="1000" dirty="0" smtClean="0"/>
-              <a:t>14</a:t>
+              <a:t>28</a:t>
             </a:r>
             <a:endParaRPr lang="zh-CN" altLang="en-US" sz="1000" dirty="0"/>
           </a:p>
@@ -4435,7 +4436,7 @@
           <a:p>
             <a:r>
               <a:rPr lang="en-US" altLang="zh-CN" sz="1000" dirty="0" smtClean="0"/>
-              <a:t>14</a:t>
+              <a:t>40</a:t>
             </a:r>
             <a:endParaRPr lang="zh-CN" altLang="en-US" sz="1000" dirty="0"/>
           </a:p>
@@ -4465,7 +4466,7 @@
           <a:p>
             <a:r>
               <a:rPr lang="en-US" altLang="zh-CN" sz="1000" dirty="0" smtClean="0"/>
-              <a:t>30</a:t>
+              <a:t>45</a:t>
             </a:r>
             <a:endParaRPr lang="zh-CN" altLang="en-US" sz="1000" dirty="0"/>
           </a:p>
@@ -4479,7 +4480,7 @@
         </p:nvSpPr>
         <p:spPr>
           <a:xfrm>
-            <a:off x="6293361" y="1992752"/>
+            <a:off x="6288771" y="1523083"/>
             <a:ext cx="457200" cy="246221"/>
           </a:xfrm>
           <a:prstGeom prst="rect">
@@ -4495,7 +4496,7 @@
           <a:p>
             <a:r>
               <a:rPr lang="en-US" altLang="zh-CN" sz="1000" dirty="0" smtClean="0"/>
-              <a:t>180</a:t>
+              <a:t>270</a:t>
             </a:r>
             <a:endParaRPr lang="zh-CN" altLang="en-US" sz="1000" dirty="0"/>
           </a:p>
@@ -4509,7 +4510,7 @@
         </p:nvSpPr>
         <p:spPr>
           <a:xfrm>
-            <a:off x="6288771" y="2499326"/>
+            <a:off x="6288771" y="2186018"/>
             <a:ext cx="457200" cy="246221"/>
           </a:xfrm>
           <a:prstGeom prst="rect">
@@ -4529,7 +4530,7 @@
             </a:r>
             <a:r>
               <a:rPr lang="en-US" altLang="zh-CN" sz="1000" dirty="0"/>
-              <a:t>5</a:t>
+              <a:t>8</a:t>
             </a:r>
             <a:r>
               <a:rPr lang="en-US" altLang="zh-CN" sz="1000" dirty="0" smtClean="0"/>
@@ -4547,7 +4548,7 @@
         </p:nvSpPr>
         <p:spPr>
           <a:xfrm>
-            <a:off x="6311124" y="3205358"/>
+            <a:off x="6288771" y="3619415"/>
             <a:ext cx="457200" cy="246221"/>
           </a:xfrm>
           <a:prstGeom prst="rect">
@@ -4562,7 +4563,7 @@
           <a:lstStyle/>
           <a:p>
             <a:r>
-              <a:rPr lang="en-US" altLang="zh-CN" sz="1000" smtClean="0"/>
+              <a:rPr lang="en-US" altLang="zh-CN" sz="1000" dirty="0" smtClean="0"/>
               <a:t>80</a:t>
             </a:r>
             <a:endParaRPr lang="zh-CN" altLang="en-US" sz="1000" dirty="0"/>
@@ -4577,7 +4578,7 @@
         </p:nvSpPr>
         <p:spPr>
           <a:xfrm>
-            <a:off x="6311124" y="3815306"/>
+            <a:off x="6244897" y="2897457"/>
             <a:ext cx="457200" cy="246221"/>
           </a:xfrm>
           <a:prstGeom prst="rect">
@@ -4623,7 +4624,7 @@
           <a:p>
             <a:r>
               <a:rPr lang="en-US" altLang="zh-CN" sz="1000" dirty="0" smtClean="0"/>
-              <a:t>30</a:t>
+              <a:t>60</a:t>
             </a:r>
             <a:endParaRPr lang="zh-CN" altLang="en-US" sz="1000" dirty="0"/>
           </a:p>
@@ -4653,7 +4654,7 @@
           <a:p>
             <a:r>
               <a:rPr lang="en-US" altLang="zh-CN" sz="1000" dirty="0" smtClean="0"/>
-              <a:t>45</a:t>
+              <a:t>60</a:t>
             </a:r>
             <a:endParaRPr lang="zh-CN" altLang="en-US" sz="1000" dirty="0"/>
           </a:p>
@@ -4667,7 +4668,7 @@
         </p:nvSpPr>
         <p:spPr>
           <a:xfrm>
-            <a:off x="9553444" y="2833171"/>
+            <a:off x="9539589" y="2833171"/>
             <a:ext cx="457200" cy="246221"/>
           </a:xfrm>
           <a:prstGeom prst="rect">
@@ -4686,6 +4687,101 @@
               <a:t>20</a:t>
             </a:r>
             <a:endParaRPr lang="zh-CN" altLang="en-US" sz="1000" dirty="0"/>
+          </a:p>
+        </p:txBody>
+      </p:sp>
+      <p:cxnSp>
+        <p:nvCxnSpPr>
+          <p:cNvPr id="22" name="直接箭头连接符 21"/>
+          <p:cNvCxnSpPr>
+            <a:stCxn id="11" idx="6"/>
+            <a:endCxn id="16" idx="2"/>
+          </p:cNvCxnSpPr>
+          <p:nvPr/>
+        </p:nvCxnSpPr>
+        <p:spPr>
+          <a:xfrm>
+            <a:off x="6001497" y="2860963"/>
+            <a:ext cx="1028228" cy="0"/>
+          </a:xfrm>
+          <a:prstGeom prst="straightConnector1">
+            <a:avLst/>
+          </a:prstGeom>
+          <a:ln>
+            <a:tailEnd type="triangle"/>
+          </a:ln>
+        </p:spPr>
+        <p:style>
+          <a:lnRef idx="1">
+            <a:schemeClr val="accent1"/>
+          </a:lnRef>
+          <a:fillRef idx="0">
+            <a:schemeClr val="accent1"/>
+          </a:fillRef>
+          <a:effectRef idx="0">
+            <a:schemeClr val="accent1"/>
+          </a:effectRef>
+          <a:fontRef idx="minor">
+            <a:schemeClr val="tx1"/>
+          </a:fontRef>
+        </p:style>
+      </p:cxnSp>
+      <p:sp>
+        <p:nvSpPr>
+          <p:cNvPr id="60" name="文本框 59"/>
+          <p:cNvSpPr txBox="1"/>
+          <p:nvPr/>
+        </p:nvSpPr>
+        <p:spPr>
+          <a:xfrm>
+            <a:off x="6244897" y="4278156"/>
+            <a:ext cx="457200" cy="246221"/>
+          </a:xfrm>
+          <a:prstGeom prst="rect">
+            <a:avLst/>
+          </a:prstGeom>
+          <a:noFill/>
+        </p:spPr>
+        <p:txBody>
+          <a:bodyPr wrap="square" rtlCol="0">
+            <a:spAutoFit/>
+          </a:bodyPr>
+          <a:lstStyle/>
+          <a:p>
+            <a:r>
+              <a:rPr lang="en-US" altLang="zh-CN" sz="1000" dirty="0" smtClean="0"/>
+              <a:t>180</a:t>
+            </a:r>
+            <a:endParaRPr lang="zh-CN" altLang="en-US" sz="1000" dirty="0"/>
+          </a:p>
+        </p:txBody>
+      </p:sp>
+      <p:sp>
+        <p:nvSpPr>
+          <p:cNvPr id="61" name="文本框 60"/>
+          <p:cNvSpPr txBox="1"/>
+          <p:nvPr/>
+        </p:nvSpPr>
+        <p:spPr>
+          <a:xfrm>
+            <a:off x="6160168" y="4016222"/>
+            <a:ext cx="784828" cy="230832"/>
+          </a:xfrm>
+          <a:prstGeom prst="rect">
+            <a:avLst/>
+          </a:prstGeom>
+          <a:noFill/>
+        </p:spPr>
+        <p:txBody>
+          <a:bodyPr wrap="square" rtlCol="0">
+            <a:spAutoFit/>
+          </a:bodyPr>
+          <a:lstStyle/>
+          <a:p>
+            <a:r>
+              <a:rPr lang="zh-CN" altLang="en-US" sz="900" dirty="0"/>
+              <a:t>测试用例</a:t>
+            </a:r>
           </a:p>
         </p:txBody>
       </p:sp>
@@ -4693,6 +4789,555 @@
     <p:extLst>
       <p:ext uri="{BB962C8B-B14F-4D97-AF65-F5344CB8AC3E}">
         <p14:creationId xmlns:p14="http://schemas.microsoft.com/office/powerpoint/2010/main" val="1207004646"/>
+      </p:ext>
+    </p:extLst>
+  </p:cSld>
+  <p:clrMapOvr>
+    <a:masterClrMapping/>
+  </p:clrMapOvr>
+</p:sld>
+</file>
+
+<file path=ppt/slides/slide2.xml><?xml version="1.0" encoding="utf-8"?>
+<p:sld xmlns:a="http://schemas.openxmlformats.org/drawingml/2006/main" xmlns:r="http://schemas.openxmlformats.org/officeDocument/2006/relationships" xmlns:p="http://schemas.openxmlformats.org/presentationml/2006/main">
+  <p:cSld>
+    <p:spTree>
+      <p:nvGrpSpPr>
+        <p:cNvPr id="1" name=""/>
+        <p:cNvGrpSpPr/>
+        <p:nvPr/>
+      </p:nvGrpSpPr>
+      <p:grpSpPr>
+        <a:xfrm>
+          <a:off x="0" y="0"/>
+          <a:ext cx="0" cy="0"/>
+          <a:chOff x="0" y="0"/>
+          <a:chExt cx="0" cy="0"/>
+        </a:xfrm>
+      </p:grpSpPr>
+      <p:sp>
+        <p:nvSpPr>
+          <p:cNvPr id="4" name="矩形 3"/>
+          <p:cNvSpPr/>
+          <p:nvPr/>
+        </p:nvSpPr>
+        <p:spPr>
+          <a:xfrm>
+            <a:off x="6061362" y="2382982"/>
+            <a:ext cx="1413164" cy="762000"/>
+          </a:xfrm>
+          <a:prstGeom prst="rect">
+            <a:avLst/>
+          </a:prstGeom>
+          <a:noFill/>
+        </p:spPr>
+        <p:style>
+          <a:lnRef idx="2">
+            <a:schemeClr val="accent1">
+              <a:shade val="50000"/>
+            </a:schemeClr>
+          </a:lnRef>
+          <a:fillRef idx="1">
+            <a:schemeClr val="accent1"/>
+          </a:fillRef>
+          <a:effectRef idx="0">
+            <a:schemeClr val="accent1"/>
+          </a:effectRef>
+          <a:fontRef idx="minor">
+            <a:schemeClr val="lt1"/>
+          </a:fontRef>
+        </p:style>
+        <p:txBody>
+          <a:bodyPr rtlCol="0" anchor="ctr"/>
+          <a:lstStyle/>
+          <a:p>
+            <a:pPr algn="ctr"/>
+            <a:endParaRPr lang="zh-CN" altLang="en-US"/>
+          </a:p>
+        </p:txBody>
+      </p:sp>
+      <p:sp>
+        <p:nvSpPr>
+          <p:cNvPr id="5" name="矩形 4"/>
+          <p:cNvSpPr/>
+          <p:nvPr/>
+        </p:nvSpPr>
+        <p:spPr>
+          <a:xfrm>
+            <a:off x="845127" y="2382982"/>
+            <a:ext cx="1413164" cy="762000"/>
+          </a:xfrm>
+          <a:prstGeom prst="rect">
+            <a:avLst/>
+          </a:prstGeom>
+          <a:noFill/>
+        </p:spPr>
+        <p:style>
+          <a:lnRef idx="2">
+            <a:schemeClr val="accent1">
+              <a:shade val="50000"/>
+            </a:schemeClr>
+          </a:lnRef>
+          <a:fillRef idx="1">
+            <a:schemeClr val="accent1"/>
+          </a:fillRef>
+          <a:effectRef idx="0">
+            <a:schemeClr val="accent1"/>
+          </a:effectRef>
+          <a:fontRef idx="minor">
+            <a:schemeClr val="lt1"/>
+          </a:fontRef>
+        </p:style>
+        <p:txBody>
+          <a:bodyPr rtlCol="0" anchor="ctr"/>
+          <a:lstStyle/>
+          <a:p>
+            <a:pPr algn="ctr"/>
+            <a:endParaRPr lang="zh-CN" altLang="en-US"/>
+          </a:p>
+        </p:txBody>
+      </p:sp>
+      <p:sp>
+        <p:nvSpPr>
+          <p:cNvPr id="6" name="矩形 5"/>
+          <p:cNvSpPr/>
+          <p:nvPr/>
+        </p:nvSpPr>
+        <p:spPr>
+          <a:xfrm>
+            <a:off x="3255817" y="2382982"/>
+            <a:ext cx="1413164" cy="762000"/>
+          </a:xfrm>
+          <a:prstGeom prst="rect">
+            <a:avLst/>
+          </a:prstGeom>
+          <a:noFill/>
+        </p:spPr>
+        <p:style>
+          <a:lnRef idx="2">
+            <a:schemeClr val="accent1">
+              <a:shade val="50000"/>
+            </a:schemeClr>
+          </a:lnRef>
+          <a:fillRef idx="1">
+            <a:schemeClr val="accent1"/>
+          </a:fillRef>
+          <a:effectRef idx="0">
+            <a:schemeClr val="accent1"/>
+          </a:effectRef>
+          <a:fontRef idx="minor">
+            <a:schemeClr val="lt1"/>
+          </a:fontRef>
+        </p:style>
+        <p:txBody>
+          <a:bodyPr rtlCol="0" anchor="ctr"/>
+          <a:lstStyle/>
+          <a:p>
+            <a:pPr algn="ctr"/>
+            <a:endParaRPr lang="zh-CN" altLang="en-US"/>
+          </a:p>
+        </p:txBody>
+      </p:sp>
+      <p:sp>
+        <p:nvSpPr>
+          <p:cNvPr id="7" name="文本框 6"/>
+          <p:cNvSpPr txBox="1"/>
+          <p:nvPr/>
+        </p:nvSpPr>
+        <p:spPr>
+          <a:xfrm>
+            <a:off x="928254" y="2579316"/>
+            <a:ext cx="1246909" cy="369332"/>
+          </a:xfrm>
+          <a:prstGeom prst="rect">
+            <a:avLst/>
+          </a:prstGeom>
+          <a:noFill/>
+        </p:spPr>
+        <p:txBody>
+          <a:bodyPr wrap="square" rtlCol="0">
+            <a:spAutoFit/>
+          </a:bodyPr>
+          <a:lstStyle/>
+          <a:p>
+            <a:r>
+              <a:rPr lang="zh-CN" altLang="en-US" dirty="0"/>
+              <a:t>提出变更</a:t>
+            </a:r>
+          </a:p>
+        </p:txBody>
+      </p:sp>
+      <p:sp>
+        <p:nvSpPr>
+          <p:cNvPr id="8" name="文本框 7"/>
+          <p:cNvSpPr txBox="1"/>
+          <p:nvPr/>
+        </p:nvSpPr>
+        <p:spPr>
+          <a:xfrm>
+            <a:off x="3338944" y="2468480"/>
+            <a:ext cx="1246909" cy="646331"/>
+          </a:xfrm>
+          <a:prstGeom prst="rect">
+            <a:avLst/>
+          </a:prstGeom>
+          <a:noFill/>
+        </p:spPr>
+        <p:txBody>
+          <a:bodyPr wrap="square" rtlCol="0">
+            <a:spAutoFit/>
+          </a:bodyPr>
+          <a:lstStyle/>
+          <a:p>
+            <a:r>
+              <a:rPr lang="zh-CN" altLang="en-US" dirty="0"/>
+              <a:t>分析</a:t>
+            </a:r>
+            <a:r>
+              <a:rPr lang="zh-CN" altLang="en-US" dirty="0" smtClean="0"/>
+              <a:t>变更及影响</a:t>
+            </a:r>
+            <a:endParaRPr lang="zh-CN" altLang="en-US" dirty="0"/>
+          </a:p>
+        </p:txBody>
+      </p:sp>
+      <p:sp>
+        <p:nvSpPr>
+          <p:cNvPr id="9" name="文本框 8"/>
+          <p:cNvSpPr txBox="1"/>
+          <p:nvPr/>
+        </p:nvSpPr>
+        <p:spPr>
+          <a:xfrm>
+            <a:off x="6227617" y="2501022"/>
+            <a:ext cx="1246909" cy="646331"/>
+          </a:xfrm>
+          <a:prstGeom prst="rect">
+            <a:avLst/>
+          </a:prstGeom>
+          <a:noFill/>
+        </p:spPr>
+        <p:txBody>
+          <a:bodyPr wrap="square" rtlCol="0">
+            <a:spAutoFit/>
+          </a:bodyPr>
+          <a:lstStyle/>
+          <a:p>
+            <a:r>
+              <a:rPr lang="zh-CN" altLang="en-US" dirty="0"/>
+              <a:t>是否印象基准</a:t>
+            </a:r>
+          </a:p>
+        </p:txBody>
+      </p:sp>
+      <p:sp>
+        <p:nvSpPr>
+          <p:cNvPr id="12" name="矩形 11"/>
+          <p:cNvSpPr/>
+          <p:nvPr/>
+        </p:nvSpPr>
+        <p:spPr>
+          <a:xfrm>
+            <a:off x="8853051" y="2382982"/>
+            <a:ext cx="1399311" cy="762000"/>
+          </a:xfrm>
+          <a:prstGeom prst="rect">
+            <a:avLst/>
+          </a:prstGeom>
+          <a:noFill/>
+        </p:spPr>
+        <p:style>
+          <a:lnRef idx="2">
+            <a:schemeClr val="accent1">
+              <a:shade val="50000"/>
+            </a:schemeClr>
+          </a:lnRef>
+          <a:fillRef idx="1">
+            <a:schemeClr val="accent1"/>
+          </a:fillRef>
+          <a:effectRef idx="0">
+            <a:schemeClr val="accent1"/>
+          </a:effectRef>
+          <a:fontRef idx="minor">
+            <a:schemeClr val="lt1"/>
+          </a:fontRef>
+        </p:style>
+        <p:txBody>
+          <a:bodyPr rtlCol="0" anchor="ctr"/>
+          <a:lstStyle/>
+          <a:p>
+            <a:pPr algn="ctr"/>
+            <a:endParaRPr lang="zh-CN" altLang="en-US"/>
+          </a:p>
+        </p:txBody>
+      </p:sp>
+      <p:sp>
+        <p:nvSpPr>
+          <p:cNvPr id="13" name="文本框 12"/>
+          <p:cNvSpPr txBox="1"/>
+          <p:nvPr/>
+        </p:nvSpPr>
+        <p:spPr>
+          <a:xfrm>
+            <a:off x="9019307" y="2579316"/>
+            <a:ext cx="1234686" cy="369332"/>
+          </a:xfrm>
+          <a:prstGeom prst="rect">
+            <a:avLst/>
+          </a:prstGeom>
+          <a:noFill/>
+        </p:spPr>
+        <p:txBody>
+          <a:bodyPr wrap="square" rtlCol="0">
+            <a:spAutoFit/>
+          </a:bodyPr>
+          <a:lstStyle/>
+          <a:p>
+            <a:r>
+              <a:rPr lang="zh-CN" altLang="en-US" dirty="0"/>
+              <a:t>审批</a:t>
+            </a:r>
+          </a:p>
+        </p:txBody>
+      </p:sp>
+      <p:cxnSp>
+        <p:nvCxnSpPr>
+          <p:cNvPr id="15" name="直接箭头连接符 14"/>
+          <p:cNvCxnSpPr>
+            <a:stCxn id="5" idx="3"/>
+            <a:endCxn id="6" idx="1"/>
+          </p:cNvCxnSpPr>
+          <p:nvPr/>
+        </p:nvCxnSpPr>
+        <p:spPr>
+          <a:xfrm>
+            <a:off x="2258291" y="2763982"/>
+            <a:ext cx="997526" cy="0"/>
+          </a:xfrm>
+          <a:prstGeom prst="straightConnector1">
+            <a:avLst/>
+          </a:prstGeom>
+          <a:ln>
+            <a:tailEnd type="triangle"/>
+          </a:ln>
+        </p:spPr>
+        <p:style>
+          <a:lnRef idx="1">
+            <a:schemeClr val="accent1"/>
+          </a:lnRef>
+          <a:fillRef idx="0">
+            <a:schemeClr val="accent1"/>
+          </a:fillRef>
+          <a:effectRef idx="0">
+            <a:schemeClr val="accent1"/>
+          </a:effectRef>
+          <a:fontRef idx="minor">
+            <a:schemeClr val="tx1"/>
+          </a:fontRef>
+        </p:style>
+      </p:cxnSp>
+      <p:cxnSp>
+        <p:nvCxnSpPr>
+          <p:cNvPr id="17" name="直接箭头连接符 16"/>
+          <p:cNvCxnSpPr>
+            <a:stCxn id="6" idx="3"/>
+            <a:endCxn id="4" idx="1"/>
+          </p:cNvCxnSpPr>
+          <p:nvPr/>
+        </p:nvCxnSpPr>
+        <p:spPr>
+          <a:xfrm>
+            <a:off x="4668981" y="2763982"/>
+            <a:ext cx="1392381" cy="0"/>
+          </a:xfrm>
+          <a:prstGeom prst="straightConnector1">
+            <a:avLst/>
+          </a:prstGeom>
+          <a:ln>
+            <a:tailEnd type="triangle"/>
+          </a:ln>
+        </p:spPr>
+        <p:style>
+          <a:lnRef idx="1">
+            <a:schemeClr val="accent1"/>
+          </a:lnRef>
+          <a:fillRef idx="0">
+            <a:schemeClr val="accent1"/>
+          </a:fillRef>
+          <a:effectRef idx="0">
+            <a:schemeClr val="accent1"/>
+          </a:effectRef>
+          <a:fontRef idx="minor">
+            <a:schemeClr val="tx1"/>
+          </a:fontRef>
+        </p:style>
+      </p:cxnSp>
+      <p:cxnSp>
+        <p:nvCxnSpPr>
+          <p:cNvPr id="21" name="直接箭头连接符 20"/>
+          <p:cNvCxnSpPr>
+            <a:stCxn id="4" idx="3"/>
+            <a:endCxn id="12" idx="1"/>
+          </p:cNvCxnSpPr>
+          <p:nvPr/>
+        </p:nvCxnSpPr>
+        <p:spPr>
+          <a:xfrm>
+            <a:off x="7474526" y="2763982"/>
+            <a:ext cx="1378525" cy="0"/>
+          </a:xfrm>
+          <a:prstGeom prst="straightConnector1">
+            <a:avLst/>
+          </a:prstGeom>
+          <a:ln>
+            <a:tailEnd type="triangle"/>
+          </a:ln>
+        </p:spPr>
+        <p:style>
+          <a:lnRef idx="1">
+            <a:schemeClr val="accent1"/>
+          </a:lnRef>
+          <a:fillRef idx="0">
+            <a:schemeClr val="accent1"/>
+          </a:fillRef>
+          <a:effectRef idx="0">
+            <a:schemeClr val="accent1"/>
+          </a:effectRef>
+          <a:fontRef idx="minor">
+            <a:schemeClr val="tx1"/>
+          </a:fontRef>
+        </p:style>
+      </p:cxnSp>
+      <p:sp>
+        <p:nvSpPr>
+          <p:cNvPr id="23" name="文本框 22"/>
+          <p:cNvSpPr txBox="1"/>
+          <p:nvPr/>
+        </p:nvSpPr>
+        <p:spPr>
+          <a:xfrm>
+            <a:off x="748145" y="1730817"/>
+            <a:ext cx="1814946" cy="369332"/>
+          </a:xfrm>
+          <a:prstGeom prst="rect">
+            <a:avLst/>
+          </a:prstGeom>
+          <a:noFill/>
+        </p:spPr>
+        <p:txBody>
+          <a:bodyPr wrap="square" rtlCol="0">
+            <a:spAutoFit/>
+          </a:bodyPr>
+          <a:lstStyle/>
+          <a:p>
+            <a:r>
+              <a:rPr lang="zh-CN" altLang="en-US" dirty="0" smtClean="0"/>
+              <a:t>新任后端</a:t>
+            </a:r>
+            <a:r>
+              <a:rPr lang="en-US" altLang="zh-CN" dirty="0" smtClean="0"/>
+              <a:t>leader</a:t>
+            </a:r>
+            <a:endParaRPr lang="zh-CN" altLang="en-US" dirty="0"/>
+          </a:p>
+        </p:txBody>
+      </p:sp>
+      <p:sp>
+        <p:nvSpPr>
+          <p:cNvPr id="24" name="文本框 23"/>
+          <p:cNvSpPr txBox="1"/>
+          <p:nvPr/>
+        </p:nvSpPr>
+        <p:spPr>
+          <a:xfrm>
+            <a:off x="3255817" y="1681734"/>
+            <a:ext cx="1717965" cy="369332"/>
+          </a:xfrm>
+          <a:prstGeom prst="rect">
+            <a:avLst/>
+          </a:prstGeom>
+          <a:noFill/>
+        </p:spPr>
+        <p:txBody>
+          <a:bodyPr wrap="square" rtlCol="0">
+            <a:spAutoFit/>
+          </a:bodyPr>
+          <a:lstStyle/>
+          <a:p>
+            <a:r>
+              <a:rPr lang="zh-CN" altLang="en-US" dirty="0" smtClean="0"/>
+              <a:t>开发</a:t>
+            </a:r>
+            <a:r>
+              <a:rPr lang="zh-CN" altLang="en-US" dirty="0"/>
+              <a:t>团队</a:t>
+            </a:r>
+          </a:p>
+        </p:txBody>
+      </p:sp>
+      <p:sp>
+        <p:nvSpPr>
+          <p:cNvPr id="25" name="文本框 24"/>
+          <p:cNvSpPr txBox="1"/>
+          <p:nvPr/>
+        </p:nvSpPr>
+        <p:spPr>
+          <a:xfrm>
+            <a:off x="6061362" y="1681734"/>
+            <a:ext cx="1717965" cy="369332"/>
+          </a:xfrm>
+          <a:prstGeom prst="rect">
+            <a:avLst/>
+          </a:prstGeom>
+          <a:noFill/>
+        </p:spPr>
+        <p:txBody>
+          <a:bodyPr wrap="square" rtlCol="0">
+            <a:spAutoFit/>
+          </a:bodyPr>
+          <a:lstStyle/>
+          <a:p>
+            <a:r>
+              <a:rPr lang="zh-CN" altLang="en-US" dirty="0"/>
+              <a:t>项目主管</a:t>
+            </a:r>
+          </a:p>
+        </p:txBody>
+      </p:sp>
+      <p:sp>
+        <p:nvSpPr>
+          <p:cNvPr id="26" name="文本框 25"/>
+          <p:cNvSpPr txBox="1"/>
+          <p:nvPr/>
+        </p:nvSpPr>
+        <p:spPr>
+          <a:xfrm>
+            <a:off x="8853051" y="1681734"/>
+            <a:ext cx="1717965" cy="369332"/>
+          </a:xfrm>
+          <a:prstGeom prst="rect">
+            <a:avLst/>
+          </a:prstGeom>
+          <a:noFill/>
+        </p:spPr>
+        <p:txBody>
+          <a:bodyPr wrap="square" rtlCol="0">
+            <a:spAutoFit/>
+          </a:bodyPr>
+          <a:lstStyle/>
+          <a:p>
+            <a:r>
+              <a:rPr lang="en-US" altLang="zh-CN" dirty="0"/>
+              <a:t>CEO</a:t>
+            </a:r>
+            <a:endParaRPr lang="zh-CN" altLang="en-US" dirty="0"/>
+          </a:p>
+        </p:txBody>
+      </p:sp>
+    </p:spTree>
+    <p:extLst>
+      <p:ext uri="{BB962C8B-B14F-4D97-AF65-F5344CB8AC3E}">
+        <p14:creationId xmlns:p14="http://schemas.microsoft.com/office/powerpoint/2010/main" val="300594599"/>
       </p:ext>
     </p:extLst>
   </p:cSld>
